--- a/Design Patterns.pptx
+++ b/Design Patterns.pptx
@@ -14,15 +14,21 @@
     <p:sldId id="267" r:id="rId8"/>
     <p:sldId id="277" r:id="rId9"/>
     <p:sldId id="278" r:id="rId10"/>
-    <p:sldId id="265" r:id="rId11"/>
-    <p:sldId id="268" r:id="rId12"/>
-    <p:sldId id="273" r:id="rId13"/>
-    <p:sldId id="272" r:id="rId14"/>
-    <p:sldId id="274" r:id="rId15"/>
-    <p:sldId id="275" r:id="rId16"/>
-    <p:sldId id="276" r:id="rId17"/>
-    <p:sldId id="259" r:id="rId18"/>
-    <p:sldId id="258" r:id="rId19"/>
+    <p:sldId id="281" r:id="rId11"/>
+    <p:sldId id="280" r:id="rId12"/>
+    <p:sldId id="282" r:id="rId13"/>
+    <p:sldId id="283" r:id="rId14"/>
+    <p:sldId id="284" r:id="rId15"/>
+    <p:sldId id="285" r:id="rId16"/>
+    <p:sldId id="265" r:id="rId17"/>
+    <p:sldId id="268" r:id="rId18"/>
+    <p:sldId id="273" r:id="rId19"/>
+    <p:sldId id="272" r:id="rId20"/>
+    <p:sldId id="274" r:id="rId21"/>
+    <p:sldId id="275" r:id="rId22"/>
+    <p:sldId id="276" r:id="rId23"/>
+    <p:sldId id="259" r:id="rId24"/>
+    <p:sldId id="258" r:id="rId25"/>
   </p:sldIdLst>
   <p:sldSz cx="12192000" cy="6858000"/>
   <p:notesSz cx="6858000" cy="9144000"/>
@@ -143,6 +149,12 @@
           <p14:sldIdLst>
             <p14:sldId id="277"/>
             <p14:sldId id="278"/>
+            <p14:sldId id="281"/>
+            <p14:sldId id="280"/>
+            <p14:sldId id="282"/>
+            <p14:sldId id="283"/>
+            <p14:sldId id="284"/>
+            <p14:sldId id="285"/>
           </p14:sldIdLst>
         </p14:section>
         <p14:section name="State refactoring" id="{B735F552-7108-4B28-8D8A-BF48972812DD}">
@@ -1162,7 +1174,7 @@
           <a:p>
             <a:fld id="{45138B52-497E-46F0-9136-1D0CFA3ECF91}" type="slidenum">
               <a:rPr lang="fr-BE" smtClean="0"/>
-              <a:t>‹#›</a:t>
+              <a:t>‹N°›</a:t>
             </a:fld>
             <a:endParaRPr lang="fr-BE"/>
           </a:p>
@@ -1362,7 +1374,7 @@
           <a:p>
             <a:fld id="{45138B52-497E-46F0-9136-1D0CFA3ECF91}" type="slidenum">
               <a:rPr lang="fr-BE" smtClean="0"/>
-              <a:t>‹#›</a:t>
+              <a:t>‹N°›</a:t>
             </a:fld>
             <a:endParaRPr lang="fr-BE"/>
           </a:p>
@@ -1572,7 +1584,7 @@
           <a:p>
             <a:fld id="{45138B52-497E-46F0-9136-1D0CFA3ECF91}" type="slidenum">
               <a:rPr lang="fr-BE" smtClean="0"/>
-              <a:t>‹#›</a:t>
+              <a:t>‹N°›</a:t>
             </a:fld>
             <a:endParaRPr lang="fr-BE"/>
           </a:p>
@@ -1772,7 +1784,7 @@
           <a:p>
             <a:fld id="{45138B52-497E-46F0-9136-1D0CFA3ECF91}" type="slidenum">
               <a:rPr lang="fr-BE" smtClean="0"/>
-              <a:t>‹#›</a:t>
+              <a:t>‹N°›</a:t>
             </a:fld>
             <a:endParaRPr lang="fr-BE"/>
           </a:p>
@@ -2048,7 +2060,7 @@
           <a:p>
             <a:fld id="{45138B52-497E-46F0-9136-1D0CFA3ECF91}" type="slidenum">
               <a:rPr lang="fr-BE" smtClean="0"/>
-              <a:t>‹#›</a:t>
+              <a:t>‹N°›</a:t>
             </a:fld>
             <a:endParaRPr lang="fr-BE"/>
           </a:p>
@@ -2316,7 +2328,7 @@
           <a:p>
             <a:fld id="{45138B52-497E-46F0-9136-1D0CFA3ECF91}" type="slidenum">
               <a:rPr lang="fr-BE" smtClean="0"/>
-              <a:t>‹#›</a:t>
+              <a:t>‹N°›</a:t>
             </a:fld>
             <a:endParaRPr lang="fr-BE"/>
           </a:p>
@@ -2731,7 +2743,7 @@
           <a:p>
             <a:fld id="{45138B52-497E-46F0-9136-1D0CFA3ECF91}" type="slidenum">
               <a:rPr lang="fr-BE" smtClean="0"/>
-              <a:t>‹#›</a:t>
+              <a:t>‹N°›</a:t>
             </a:fld>
             <a:endParaRPr lang="fr-BE"/>
           </a:p>
@@ -2873,7 +2885,7 @@
           <a:p>
             <a:fld id="{45138B52-497E-46F0-9136-1D0CFA3ECF91}" type="slidenum">
               <a:rPr lang="fr-BE" smtClean="0"/>
-              <a:t>‹#›</a:t>
+              <a:t>‹N°›</a:t>
             </a:fld>
             <a:endParaRPr lang="fr-BE"/>
           </a:p>
@@ -2986,7 +2998,7 @@
           <a:p>
             <a:fld id="{45138B52-497E-46F0-9136-1D0CFA3ECF91}" type="slidenum">
               <a:rPr lang="fr-BE" smtClean="0"/>
-              <a:t>‹#›</a:t>
+              <a:t>‹N°›</a:t>
             </a:fld>
             <a:endParaRPr lang="fr-BE"/>
           </a:p>
@@ -3299,7 +3311,7 @@
           <a:p>
             <a:fld id="{45138B52-497E-46F0-9136-1D0CFA3ECF91}" type="slidenum">
               <a:rPr lang="fr-BE" smtClean="0"/>
-              <a:t>‹#›</a:t>
+              <a:t>‹N°›</a:t>
             </a:fld>
             <a:endParaRPr lang="fr-BE"/>
           </a:p>
@@ -3588,7 +3600,7 @@
           <a:p>
             <a:fld id="{45138B52-497E-46F0-9136-1D0CFA3ECF91}" type="slidenum">
               <a:rPr lang="fr-BE" smtClean="0"/>
-              <a:t>‹#›</a:t>
+              <a:t>‹N°›</a:t>
             </a:fld>
             <a:endParaRPr lang="fr-BE"/>
           </a:p>
@@ -3878,7 +3890,7 @@
           <a:p>
             <a:fld id="{45138B52-497E-46F0-9136-1D0CFA3ECF91}" type="slidenum">
               <a:rPr lang="fr-BE" smtClean="0"/>
-              <a:t>‹#›</a:t>
+              <a:t>‹N°›</a:t>
             </a:fld>
             <a:endParaRPr lang="fr-BE"/>
           </a:p>
@@ -4319,6 +4331,1117 @@
           <p:cNvPr id="2" name="Title 1">
             <a:extLst>
               <a:ext uri="{FF2B5EF4-FFF2-40B4-BE49-F238E27FC236}">
+                <a16:creationId xmlns:a16="http://schemas.microsoft.com/office/drawing/2014/main" id="{96736D52-4961-EE7F-ED71-B447E3B8ABF5}"/>
+              </a:ext>
+            </a:extLst>
+          </p:cNvPr>
+          <p:cNvSpPr>
+            <a:spLocks noGrp="1"/>
+          </p:cNvSpPr>
+          <p:nvPr>
+            <p:ph type="title"/>
+          </p:nvPr>
+        </p:nvSpPr>
+        <p:spPr/>
+        <p:txBody>
+          <a:bodyPr/>
+          <a:lstStyle/>
+          <a:p>
+            <a:r>
+              <a:rPr lang="fr-BE" b="1">
+                <a:solidFill>
+                  <a:schemeClr val="bg1"/>
+                </a:solidFill>
+              </a:rPr>
+              <a:t>How to avoid the identified problems ?</a:t>
+            </a:r>
+          </a:p>
+        </p:txBody>
+      </p:sp>
+      <p:sp>
+        <p:nvSpPr>
+          <p:cNvPr id="3" name="Content Placeholder 2">
+            <a:extLst>
+              <a:ext uri="{FF2B5EF4-FFF2-40B4-BE49-F238E27FC236}">
+                <a16:creationId xmlns:a16="http://schemas.microsoft.com/office/drawing/2014/main" id="{000CA789-C2CC-9958-35FB-5935AA7D71CE}"/>
+              </a:ext>
+            </a:extLst>
+          </p:cNvPr>
+          <p:cNvSpPr>
+            <a:spLocks noGrp="1"/>
+          </p:cNvSpPr>
+          <p:nvPr>
+            <p:ph idx="1"/>
+          </p:nvPr>
+        </p:nvSpPr>
+        <p:spPr>
+          <a:xfrm>
+            <a:off x="838200" y="1825625"/>
+            <a:ext cx="10515600" cy="4351439"/>
+          </a:xfrm>
+        </p:spPr>
+        <p:txBody>
+          <a:bodyPr>
+            <a:noAutofit/>
+          </a:bodyPr>
+          <a:lstStyle/>
+          <a:p>
+            <a:r>
+              <a:rPr lang="en-US">
+                <a:solidFill>
+                  <a:srgbClr val="E6E6E6"/>
+                </a:solidFill>
+              </a:rPr>
+              <a:t>First step :</a:t>
+            </a:r>
+          </a:p>
+          <a:p>
+            <a:pPr lvl="1"/>
+            <a:r>
+              <a:rPr lang="en-US">
+                <a:solidFill>
+                  <a:srgbClr val="E6E6E6"/>
+                </a:solidFill>
+              </a:rPr>
+              <a:t>Removing code that perform actions from the object to state classes</a:t>
+            </a:r>
+          </a:p>
+          <a:p>
+            <a:endParaRPr lang="en-US">
+              <a:solidFill>
+                <a:schemeClr val="bg1"/>
+              </a:solidFill>
+            </a:endParaRPr>
+          </a:p>
+        </p:txBody>
+      </p:sp>
+    </p:spTree>
+    <p:extLst>
+      <p:ext uri="{BB962C8B-B14F-4D97-AF65-F5344CB8AC3E}">
+        <p14:creationId xmlns:p14="http://schemas.microsoft.com/office/powerpoint/2010/main" val="1141923344"/>
+      </p:ext>
+    </p:extLst>
+  </p:cSld>
+  <p:clrMapOvr>
+    <a:masterClrMapping/>
+  </p:clrMapOvr>
+</p:sld>
+</file>
+
+<file path=ppt/slides/slide11.xml><?xml version="1.0" encoding="utf-8"?>
+<p:sld xmlns:a="http://schemas.openxmlformats.org/drawingml/2006/main" xmlns:r="http://schemas.openxmlformats.org/officeDocument/2006/relationships" xmlns:p="http://schemas.openxmlformats.org/presentationml/2006/main">
+  <p:cSld>
+    <p:spTree>
+      <p:nvGrpSpPr>
+        <p:cNvPr id="1" name=""/>
+        <p:cNvGrpSpPr/>
+        <p:nvPr/>
+      </p:nvGrpSpPr>
+      <p:grpSpPr>
+        <a:xfrm>
+          <a:off x="0" y="0"/>
+          <a:ext cx="0" cy="0"/>
+          <a:chOff x="0" y="0"/>
+          <a:chExt cx="0" cy="0"/>
+        </a:xfrm>
+      </p:grpSpPr>
+      <p:sp>
+        <p:nvSpPr>
+          <p:cNvPr id="2" name="Title 1">
+            <a:extLst>
+              <a:ext uri="{FF2B5EF4-FFF2-40B4-BE49-F238E27FC236}">
+                <a16:creationId xmlns:a16="http://schemas.microsoft.com/office/drawing/2014/main" id="{96736D52-4961-EE7F-ED71-B447E3B8ABF5}"/>
+              </a:ext>
+            </a:extLst>
+          </p:cNvPr>
+          <p:cNvSpPr>
+            <a:spLocks noGrp="1"/>
+          </p:cNvSpPr>
+          <p:nvPr>
+            <p:ph type="title"/>
+          </p:nvPr>
+        </p:nvSpPr>
+        <p:spPr/>
+        <p:txBody>
+          <a:bodyPr/>
+          <a:lstStyle/>
+          <a:p>
+            <a:r>
+              <a:rPr lang="fr-BE" b="1">
+                <a:solidFill>
+                  <a:schemeClr val="bg1"/>
+                </a:solidFill>
+              </a:rPr>
+              <a:t>How to avoid the identified problems ?</a:t>
+            </a:r>
+          </a:p>
+        </p:txBody>
+      </p:sp>
+      <p:sp>
+        <p:nvSpPr>
+          <p:cNvPr id="3" name="Content Placeholder 2">
+            <a:extLst>
+              <a:ext uri="{FF2B5EF4-FFF2-40B4-BE49-F238E27FC236}">
+                <a16:creationId xmlns:a16="http://schemas.microsoft.com/office/drawing/2014/main" id="{000CA789-C2CC-9958-35FB-5935AA7D71CE}"/>
+              </a:ext>
+            </a:extLst>
+          </p:cNvPr>
+          <p:cNvSpPr>
+            <a:spLocks noGrp="1"/>
+          </p:cNvSpPr>
+          <p:nvPr>
+            <p:ph idx="1"/>
+          </p:nvPr>
+        </p:nvSpPr>
+        <p:spPr>
+          <a:xfrm>
+            <a:off x="838200" y="1825625"/>
+            <a:ext cx="10515600" cy="4351439"/>
+          </a:xfrm>
+        </p:spPr>
+        <p:txBody>
+          <a:bodyPr>
+            <a:noAutofit/>
+          </a:bodyPr>
+          <a:lstStyle/>
+          <a:p>
+            <a:pPr marL="0" indent="0">
+              <a:buNone/>
+            </a:pPr>
+            <a:endParaRPr lang="en-US">
+              <a:solidFill>
+                <a:srgbClr val="E6E6E6"/>
+              </a:solidFill>
+            </a:endParaRPr>
+          </a:p>
+          <a:p>
+            <a:endParaRPr lang="en-US">
+              <a:solidFill>
+                <a:schemeClr val="bg1"/>
+              </a:solidFill>
+            </a:endParaRPr>
+          </a:p>
+        </p:txBody>
+      </p:sp>
+      <p:pic>
+        <p:nvPicPr>
+          <p:cNvPr id="5" name="Picture 3">
+            <a:extLst>
+              <a:ext uri="{FF2B5EF4-FFF2-40B4-BE49-F238E27FC236}">
+                <a16:creationId xmlns:a16="http://schemas.microsoft.com/office/drawing/2014/main" id="{FFC65D16-5F12-2CCB-C2B5-340B8AF54B59}"/>
+              </a:ext>
+            </a:extLst>
+          </p:cNvPr>
+          <p:cNvPicPr>
+            <a:picLocks noChangeAspect="1"/>
+          </p:cNvPicPr>
+          <p:nvPr/>
+        </p:nvPicPr>
+        <p:blipFill>
+          <a:blip r:embed="rId2"/>
+          <a:stretch>
+            <a:fillRect/>
+          </a:stretch>
+        </p:blipFill>
+        <p:spPr>
+          <a:xfrm>
+            <a:off x="0" y="1497914"/>
+            <a:ext cx="5943014" cy="5360086"/>
+          </a:xfrm>
+          <a:prstGeom prst="rect">
+            <a:avLst/>
+          </a:prstGeom>
+        </p:spPr>
+      </p:pic>
+      <p:pic>
+        <p:nvPicPr>
+          <p:cNvPr id="8" name="Image 7">
+            <a:extLst>
+              <a:ext uri="{FF2B5EF4-FFF2-40B4-BE49-F238E27FC236}">
+                <a16:creationId xmlns:a16="http://schemas.microsoft.com/office/drawing/2014/main" id="{46A645EE-6280-0BDE-8E6A-3C6CD3E5503B}"/>
+              </a:ext>
+            </a:extLst>
+          </p:cNvPr>
+          <p:cNvPicPr>
+            <a:picLocks noChangeAspect="1"/>
+          </p:cNvPicPr>
+          <p:nvPr/>
+        </p:nvPicPr>
+        <p:blipFill>
+          <a:blip r:embed="rId3"/>
+          <a:stretch>
+            <a:fillRect/>
+          </a:stretch>
+        </p:blipFill>
+        <p:spPr>
+          <a:xfrm>
+            <a:off x="9158872" y="5186466"/>
+            <a:ext cx="2595925" cy="1157449"/>
+          </a:xfrm>
+          <a:prstGeom prst="rect">
+            <a:avLst/>
+          </a:prstGeom>
+        </p:spPr>
+      </p:pic>
+      <p:pic>
+        <p:nvPicPr>
+          <p:cNvPr id="10" name="Image 9">
+            <a:extLst>
+              <a:ext uri="{FF2B5EF4-FFF2-40B4-BE49-F238E27FC236}">
+                <a16:creationId xmlns:a16="http://schemas.microsoft.com/office/drawing/2014/main" id="{9E3BF5B0-AA2E-D056-A59C-1B983EE544AC}"/>
+              </a:ext>
+            </a:extLst>
+          </p:cNvPr>
+          <p:cNvPicPr>
+            <a:picLocks noChangeAspect="1"/>
+          </p:cNvPicPr>
+          <p:nvPr/>
+        </p:nvPicPr>
+        <p:blipFill>
+          <a:blip r:embed="rId4"/>
+          <a:stretch>
+            <a:fillRect/>
+          </a:stretch>
+        </p:blipFill>
+        <p:spPr>
+          <a:xfrm>
+            <a:off x="7509683" y="3623796"/>
+            <a:ext cx="2491432" cy="1108321"/>
+          </a:xfrm>
+          <a:prstGeom prst="rect">
+            <a:avLst/>
+          </a:prstGeom>
+        </p:spPr>
+      </p:pic>
+      <p:pic>
+        <p:nvPicPr>
+          <p:cNvPr id="12" name="Image 11">
+            <a:extLst>
+              <a:ext uri="{FF2B5EF4-FFF2-40B4-BE49-F238E27FC236}">
+                <a16:creationId xmlns:a16="http://schemas.microsoft.com/office/drawing/2014/main" id="{93415F69-A8D4-CFDF-CCD0-AD361B560A42}"/>
+              </a:ext>
+            </a:extLst>
+          </p:cNvPr>
+          <p:cNvPicPr>
+            <a:picLocks noChangeAspect="1"/>
+          </p:cNvPicPr>
+          <p:nvPr/>
+        </p:nvPicPr>
+        <p:blipFill>
+          <a:blip r:embed="rId5"/>
+          <a:stretch>
+            <a:fillRect/>
+          </a:stretch>
+        </p:blipFill>
+        <p:spPr>
+          <a:xfrm>
+            <a:off x="6614541" y="2030176"/>
+            <a:ext cx="1790283" cy="1139271"/>
+          </a:xfrm>
+          <a:prstGeom prst="rect">
+            <a:avLst/>
+          </a:prstGeom>
+        </p:spPr>
+      </p:pic>
+      <p:sp>
+        <p:nvSpPr>
+          <p:cNvPr id="13" name="Flèche : droite rayée 12">
+            <a:extLst>
+              <a:ext uri="{FF2B5EF4-FFF2-40B4-BE49-F238E27FC236}">
+                <a16:creationId xmlns:a16="http://schemas.microsoft.com/office/drawing/2014/main" id="{8F804CE9-7DCF-6A3E-3CBD-F752932FEF5D}"/>
+              </a:ext>
+            </a:extLst>
+          </p:cNvPr>
+          <p:cNvSpPr/>
+          <p:nvPr/>
+        </p:nvSpPr>
+        <p:spPr>
+          <a:xfrm>
+            <a:off x="5458932" y="3810994"/>
+            <a:ext cx="997353" cy="733926"/>
+          </a:xfrm>
+          <a:prstGeom prst="stripedRightArrow">
+            <a:avLst/>
+          </a:prstGeom>
+        </p:spPr>
+        <p:style>
+          <a:lnRef idx="2">
+            <a:schemeClr val="accent1">
+              <a:shade val="15000"/>
+            </a:schemeClr>
+          </a:lnRef>
+          <a:fillRef idx="1">
+            <a:schemeClr val="accent1"/>
+          </a:fillRef>
+          <a:effectRef idx="0">
+            <a:schemeClr val="accent1"/>
+          </a:effectRef>
+          <a:fontRef idx="minor">
+            <a:schemeClr val="lt1"/>
+          </a:fontRef>
+        </p:style>
+        <p:txBody>
+          <a:bodyPr rtlCol="0" anchor="ctr"/>
+          <a:lstStyle/>
+          <a:p>
+            <a:pPr algn="ctr"/>
+            <a:endParaRPr lang="fr-BE"/>
+          </a:p>
+        </p:txBody>
+      </p:sp>
+      <p:sp>
+        <p:nvSpPr>
+          <p:cNvPr id="7" name="Rectangle 6">
+            <a:extLst>
+              <a:ext uri="{FF2B5EF4-FFF2-40B4-BE49-F238E27FC236}">
+                <a16:creationId xmlns:a16="http://schemas.microsoft.com/office/drawing/2014/main" id="{3D8B3FEA-2F31-D7E6-FA75-D8E73CD9C808}"/>
+              </a:ext>
+            </a:extLst>
+          </p:cNvPr>
+          <p:cNvSpPr/>
+          <p:nvPr/>
+        </p:nvSpPr>
+        <p:spPr>
+          <a:xfrm>
+            <a:off x="838200" y="4419400"/>
+            <a:ext cx="4564075" cy="2073475"/>
+          </a:xfrm>
+          <a:prstGeom prst="rect">
+            <a:avLst/>
+          </a:prstGeom>
+          <a:noFill/>
+          <a:ln w="28575">
+            <a:solidFill>
+              <a:srgbClr val="FF0000"/>
+            </a:solidFill>
+          </a:ln>
+        </p:spPr>
+        <p:style>
+          <a:lnRef idx="2">
+            <a:schemeClr val="accent1">
+              <a:shade val="15000"/>
+            </a:schemeClr>
+          </a:lnRef>
+          <a:fillRef idx="1">
+            <a:schemeClr val="accent1"/>
+          </a:fillRef>
+          <a:effectRef idx="0">
+            <a:schemeClr val="accent1"/>
+          </a:effectRef>
+          <a:fontRef idx="minor">
+            <a:schemeClr val="lt1"/>
+          </a:fontRef>
+        </p:style>
+        <p:txBody>
+          <a:bodyPr rtlCol="0" anchor="ctr"/>
+          <a:lstStyle/>
+          <a:p>
+            <a:pPr algn="ctr"/>
+            <a:endParaRPr lang="fr-BE"/>
+          </a:p>
+        </p:txBody>
+      </p:sp>
+    </p:spTree>
+    <p:extLst>
+      <p:ext uri="{BB962C8B-B14F-4D97-AF65-F5344CB8AC3E}">
+        <p14:creationId xmlns:p14="http://schemas.microsoft.com/office/powerpoint/2010/main" val="450544265"/>
+      </p:ext>
+    </p:extLst>
+  </p:cSld>
+  <p:clrMapOvr>
+    <a:masterClrMapping/>
+  </p:clrMapOvr>
+</p:sld>
+</file>
+
+<file path=ppt/slides/slide12.xml><?xml version="1.0" encoding="utf-8"?>
+<p:sld xmlns:a="http://schemas.openxmlformats.org/drawingml/2006/main" xmlns:r="http://schemas.openxmlformats.org/officeDocument/2006/relationships" xmlns:p="http://schemas.openxmlformats.org/presentationml/2006/main">
+  <p:cSld>
+    <p:spTree>
+      <p:nvGrpSpPr>
+        <p:cNvPr id="1" name=""/>
+        <p:cNvGrpSpPr/>
+        <p:nvPr/>
+      </p:nvGrpSpPr>
+      <p:grpSpPr>
+        <a:xfrm>
+          <a:off x="0" y="0"/>
+          <a:ext cx="0" cy="0"/>
+          <a:chOff x="0" y="0"/>
+          <a:chExt cx="0" cy="0"/>
+        </a:xfrm>
+      </p:grpSpPr>
+      <p:sp>
+        <p:nvSpPr>
+          <p:cNvPr id="2" name="Title 1">
+            <a:extLst>
+              <a:ext uri="{FF2B5EF4-FFF2-40B4-BE49-F238E27FC236}">
+                <a16:creationId xmlns:a16="http://schemas.microsoft.com/office/drawing/2014/main" id="{96736D52-4961-EE7F-ED71-B447E3B8ABF5}"/>
+              </a:ext>
+            </a:extLst>
+          </p:cNvPr>
+          <p:cNvSpPr>
+            <a:spLocks noGrp="1"/>
+          </p:cNvSpPr>
+          <p:nvPr>
+            <p:ph type="title"/>
+          </p:nvPr>
+        </p:nvSpPr>
+        <p:spPr/>
+        <p:txBody>
+          <a:bodyPr/>
+          <a:lstStyle/>
+          <a:p>
+            <a:r>
+              <a:rPr lang="fr-BE" b="1">
+                <a:solidFill>
+                  <a:schemeClr val="bg1"/>
+                </a:solidFill>
+              </a:rPr>
+              <a:t>How to avoid the identified problems ?</a:t>
+            </a:r>
+          </a:p>
+        </p:txBody>
+      </p:sp>
+      <p:sp>
+        <p:nvSpPr>
+          <p:cNvPr id="3" name="Content Placeholder 2">
+            <a:extLst>
+              <a:ext uri="{FF2B5EF4-FFF2-40B4-BE49-F238E27FC236}">
+                <a16:creationId xmlns:a16="http://schemas.microsoft.com/office/drawing/2014/main" id="{000CA789-C2CC-9958-35FB-5935AA7D71CE}"/>
+              </a:ext>
+            </a:extLst>
+          </p:cNvPr>
+          <p:cNvSpPr>
+            <a:spLocks noGrp="1"/>
+          </p:cNvSpPr>
+          <p:nvPr>
+            <p:ph idx="1"/>
+          </p:nvPr>
+        </p:nvSpPr>
+        <p:spPr>
+          <a:xfrm>
+            <a:off x="838200" y="1825625"/>
+            <a:ext cx="10515600" cy="4351439"/>
+          </a:xfrm>
+        </p:spPr>
+        <p:txBody>
+          <a:bodyPr>
+            <a:noAutofit/>
+          </a:bodyPr>
+          <a:lstStyle/>
+          <a:p>
+            <a:r>
+              <a:rPr lang="en-US">
+                <a:solidFill>
+                  <a:srgbClr val="E6E6E6"/>
+                </a:solidFill>
+              </a:rPr>
+              <a:t>First step :</a:t>
+            </a:r>
+          </a:p>
+          <a:p>
+            <a:pPr lvl="1"/>
+            <a:r>
+              <a:rPr lang="en-US">
+                <a:solidFill>
+                  <a:srgbClr val="E6E6E6"/>
+                </a:solidFill>
+              </a:rPr>
+              <a:t>Removing code that perform actions from the object to state classes</a:t>
+            </a:r>
+          </a:p>
+          <a:p>
+            <a:endParaRPr lang="en-US">
+              <a:solidFill>
+                <a:srgbClr val="E6E6E6"/>
+              </a:solidFill>
+            </a:endParaRPr>
+          </a:p>
+          <a:p>
+            <a:r>
+              <a:rPr lang="en-US">
+                <a:solidFill>
+                  <a:srgbClr val="E6E6E6"/>
+                </a:solidFill>
+              </a:rPr>
+              <a:t>Second step :</a:t>
+            </a:r>
+          </a:p>
+          <a:p>
+            <a:pPr lvl="1"/>
+            <a:r>
+              <a:rPr lang="en-US">
+                <a:solidFill>
+                  <a:srgbClr val="E6E6E6"/>
+                </a:solidFill>
+              </a:rPr>
+              <a:t>Create an interface that represent the different actions of the object</a:t>
+            </a:r>
+          </a:p>
+          <a:p>
+            <a:pPr marL="457200" lvl="1" indent="0">
+              <a:buNone/>
+            </a:pPr>
+            <a:endParaRPr lang="en-US">
+              <a:solidFill>
+                <a:srgbClr val="E6E6E6"/>
+              </a:solidFill>
+            </a:endParaRPr>
+          </a:p>
+          <a:p>
+            <a:pPr marL="0" indent="0">
+              <a:buNone/>
+            </a:pPr>
+            <a:endParaRPr lang="en-US">
+              <a:solidFill>
+                <a:schemeClr val="bg1"/>
+              </a:solidFill>
+            </a:endParaRPr>
+          </a:p>
+        </p:txBody>
+      </p:sp>
+    </p:spTree>
+    <p:extLst>
+      <p:ext uri="{BB962C8B-B14F-4D97-AF65-F5344CB8AC3E}">
+        <p14:creationId xmlns:p14="http://schemas.microsoft.com/office/powerpoint/2010/main" val="2275102986"/>
+      </p:ext>
+    </p:extLst>
+  </p:cSld>
+  <p:clrMapOvr>
+    <a:masterClrMapping/>
+  </p:clrMapOvr>
+</p:sld>
+</file>
+
+<file path=ppt/slides/slide13.xml><?xml version="1.0" encoding="utf-8"?>
+<p:sld xmlns:a="http://schemas.openxmlformats.org/drawingml/2006/main" xmlns:r="http://schemas.openxmlformats.org/officeDocument/2006/relationships" xmlns:p="http://schemas.openxmlformats.org/presentationml/2006/main">
+  <p:cSld>
+    <p:spTree>
+      <p:nvGrpSpPr>
+        <p:cNvPr id="1" name=""/>
+        <p:cNvGrpSpPr/>
+        <p:nvPr/>
+      </p:nvGrpSpPr>
+      <p:grpSpPr>
+        <a:xfrm>
+          <a:off x="0" y="0"/>
+          <a:ext cx="0" cy="0"/>
+          <a:chOff x="0" y="0"/>
+          <a:chExt cx="0" cy="0"/>
+        </a:xfrm>
+      </p:grpSpPr>
+      <p:sp>
+        <p:nvSpPr>
+          <p:cNvPr id="2" name="Title 1">
+            <a:extLst>
+              <a:ext uri="{FF2B5EF4-FFF2-40B4-BE49-F238E27FC236}">
+                <a16:creationId xmlns:a16="http://schemas.microsoft.com/office/drawing/2014/main" id="{96736D52-4961-EE7F-ED71-B447E3B8ABF5}"/>
+              </a:ext>
+            </a:extLst>
+          </p:cNvPr>
+          <p:cNvSpPr>
+            <a:spLocks noGrp="1"/>
+          </p:cNvSpPr>
+          <p:nvPr>
+            <p:ph type="title"/>
+          </p:nvPr>
+        </p:nvSpPr>
+        <p:spPr/>
+        <p:txBody>
+          <a:bodyPr/>
+          <a:lstStyle/>
+          <a:p>
+            <a:r>
+              <a:rPr lang="fr-BE" b="1">
+                <a:solidFill>
+                  <a:schemeClr val="bg1"/>
+                </a:solidFill>
+              </a:rPr>
+              <a:t>How to avoid the identified problems ?</a:t>
+            </a:r>
+          </a:p>
+        </p:txBody>
+      </p:sp>
+      <p:sp>
+        <p:nvSpPr>
+          <p:cNvPr id="3" name="Content Placeholder 2">
+            <a:extLst>
+              <a:ext uri="{FF2B5EF4-FFF2-40B4-BE49-F238E27FC236}">
+                <a16:creationId xmlns:a16="http://schemas.microsoft.com/office/drawing/2014/main" id="{000CA789-C2CC-9958-35FB-5935AA7D71CE}"/>
+              </a:ext>
+            </a:extLst>
+          </p:cNvPr>
+          <p:cNvSpPr>
+            <a:spLocks noGrp="1"/>
+          </p:cNvSpPr>
+          <p:nvPr>
+            <p:ph idx="1"/>
+          </p:nvPr>
+        </p:nvSpPr>
+        <p:spPr>
+          <a:xfrm>
+            <a:off x="838200" y="1825625"/>
+            <a:ext cx="10515600" cy="4351439"/>
+          </a:xfrm>
+        </p:spPr>
+        <p:txBody>
+          <a:bodyPr>
+            <a:noAutofit/>
+          </a:bodyPr>
+          <a:lstStyle/>
+          <a:p>
+            <a:pPr marL="457200" lvl="1" indent="0">
+              <a:buNone/>
+            </a:pPr>
+            <a:endParaRPr lang="en-US">
+              <a:solidFill>
+                <a:srgbClr val="E6E6E6"/>
+              </a:solidFill>
+            </a:endParaRPr>
+          </a:p>
+          <a:p>
+            <a:endParaRPr lang="en-US">
+              <a:solidFill>
+                <a:schemeClr val="bg1"/>
+              </a:solidFill>
+            </a:endParaRPr>
+          </a:p>
+        </p:txBody>
+      </p:sp>
+      <p:pic>
+        <p:nvPicPr>
+          <p:cNvPr id="8" name="Image 7">
+            <a:extLst>
+              <a:ext uri="{FF2B5EF4-FFF2-40B4-BE49-F238E27FC236}">
+                <a16:creationId xmlns:a16="http://schemas.microsoft.com/office/drawing/2014/main" id="{3C91DB8B-A3C9-007A-2CAD-F6F36B5165E2}"/>
+              </a:ext>
+            </a:extLst>
+          </p:cNvPr>
+          <p:cNvPicPr>
+            <a:picLocks noChangeAspect="1"/>
+          </p:cNvPicPr>
+          <p:nvPr/>
+        </p:nvPicPr>
+        <p:blipFill>
+          <a:blip r:embed="rId2"/>
+          <a:stretch>
+            <a:fillRect/>
+          </a:stretch>
+        </p:blipFill>
+        <p:spPr>
+          <a:xfrm>
+            <a:off x="286407" y="1651876"/>
+            <a:ext cx="11619186" cy="4698935"/>
+          </a:xfrm>
+          <a:prstGeom prst="rect">
+            <a:avLst/>
+          </a:prstGeom>
+        </p:spPr>
+      </p:pic>
+      <p:sp>
+        <p:nvSpPr>
+          <p:cNvPr id="9" name="Rectangle 8">
+            <a:extLst>
+              <a:ext uri="{FF2B5EF4-FFF2-40B4-BE49-F238E27FC236}">
+                <a16:creationId xmlns:a16="http://schemas.microsoft.com/office/drawing/2014/main" id="{560169DC-5B91-C905-46EB-E2C10463B348}"/>
+              </a:ext>
+            </a:extLst>
+          </p:cNvPr>
+          <p:cNvSpPr/>
+          <p:nvPr/>
+        </p:nvSpPr>
+        <p:spPr>
+          <a:xfrm>
+            <a:off x="286407" y="2222938"/>
+            <a:ext cx="4118906" cy="1592317"/>
+          </a:xfrm>
+          <a:prstGeom prst="rect">
+            <a:avLst/>
+          </a:prstGeom>
+          <a:solidFill>
+            <a:srgbClr val="2E2E2E"/>
+          </a:solidFill>
+          <a:ln>
+            <a:noFill/>
+          </a:ln>
+        </p:spPr>
+        <p:style>
+          <a:lnRef idx="2">
+            <a:schemeClr val="dk1">
+              <a:shade val="15000"/>
+            </a:schemeClr>
+          </a:lnRef>
+          <a:fillRef idx="1">
+            <a:schemeClr val="dk1"/>
+          </a:fillRef>
+          <a:effectRef idx="0">
+            <a:schemeClr val="dk1"/>
+          </a:effectRef>
+          <a:fontRef idx="minor">
+            <a:schemeClr val="lt1"/>
+          </a:fontRef>
+        </p:style>
+        <p:txBody>
+          <a:bodyPr rtlCol="0" anchor="ctr"/>
+          <a:lstStyle/>
+          <a:p>
+            <a:pPr algn="ctr"/>
+            <a:endParaRPr lang="fr-BE"/>
+          </a:p>
+        </p:txBody>
+      </p:sp>
+    </p:spTree>
+    <p:extLst>
+      <p:ext uri="{BB962C8B-B14F-4D97-AF65-F5344CB8AC3E}">
+        <p14:creationId xmlns:p14="http://schemas.microsoft.com/office/powerpoint/2010/main" val="2161096809"/>
+      </p:ext>
+    </p:extLst>
+  </p:cSld>
+  <p:clrMapOvr>
+    <a:masterClrMapping/>
+  </p:clrMapOvr>
+</p:sld>
+</file>
+
+<file path=ppt/slides/slide14.xml><?xml version="1.0" encoding="utf-8"?>
+<p:sld xmlns:a="http://schemas.openxmlformats.org/drawingml/2006/main" xmlns:r="http://schemas.openxmlformats.org/officeDocument/2006/relationships" xmlns:p="http://schemas.openxmlformats.org/presentationml/2006/main">
+  <p:cSld>
+    <p:spTree>
+      <p:nvGrpSpPr>
+        <p:cNvPr id="1" name=""/>
+        <p:cNvGrpSpPr/>
+        <p:nvPr/>
+      </p:nvGrpSpPr>
+      <p:grpSpPr>
+        <a:xfrm>
+          <a:off x="0" y="0"/>
+          <a:ext cx="0" cy="0"/>
+          <a:chOff x="0" y="0"/>
+          <a:chExt cx="0" cy="0"/>
+        </a:xfrm>
+      </p:grpSpPr>
+      <p:sp>
+        <p:nvSpPr>
+          <p:cNvPr id="2" name="Title 1">
+            <a:extLst>
+              <a:ext uri="{FF2B5EF4-FFF2-40B4-BE49-F238E27FC236}">
+                <a16:creationId xmlns:a16="http://schemas.microsoft.com/office/drawing/2014/main" id="{96736D52-4961-EE7F-ED71-B447E3B8ABF5}"/>
+              </a:ext>
+            </a:extLst>
+          </p:cNvPr>
+          <p:cNvSpPr>
+            <a:spLocks noGrp="1"/>
+          </p:cNvSpPr>
+          <p:nvPr>
+            <p:ph type="title"/>
+          </p:nvPr>
+        </p:nvSpPr>
+        <p:spPr/>
+        <p:txBody>
+          <a:bodyPr/>
+          <a:lstStyle/>
+          <a:p>
+            <a:r>
+              <a:rPr lang="fr-BE" b="1">
+                <a:solidFill>
+                  <a:schemeClr val="bg1"/>
+                </a:solidFill>
+              </a:rPr>
+              <a:t>How to avoid the identified problems ?</a:t>
+            </a:r>
+          </a:p>
+        </p:txBody>
+      </p:sp>
+      <p:sp>
+        <p:nvSpPr>
+          <p:cNvPr id="3" name="Content Placeholder 2">
+            <a:extLst>
+              <a:ext uri="{FF2B5EF4-FFF2-40B4-BE49-F238E27FC236}">
+                <a16:creationId xmlns:a16="http://schemas.microsoft.com/office/drawing/2014/main" id="{000CA789-C2CC-9958-35FB-5935AA7D71CE}"/>
+              </a:ext>
+            </a:extLst>
+          </p:cNvPr>
+          <p:cNvSpPr>
+            <a:spLocks noGrp="1"/>
+          </p:cNvSpPr>
+          <p:nvPr>
+            <p:ph idx="1"/>
+          </p:nvPr>
+        </p:nvSpPr>
+        <p:spPr>
+          <a:xfrm>
+            <a:off x="838200" y="1825625"/>
+            <a:ext cx="10515600" cy="4351439"/>
+          </a:xfrm>
+        </p:spPr>
+        <p:txBody>
+          <a:bodyPr>
+            <a:noAutofit/>
+          </a:bodyPr>
+          <a:lstStyle/>
+          <a:p>
+            <a:r>
+              <a:rPr lang="en-US">
+                <a:solidFill>
+                  <a:srgbClr val="E6E6E6"/>
+                </a:solidFill>
+              </a:rPr>
+              <a:t>First step :</a:t>
+            </a:r>
+          </a:p>
+          <a:p>
+            <a:pPr lvl="1"/>
+            <a:r>
+              <a:rPr lang="en-US">
+                <a:solidFill>
+                  <a:srgbClr val="E6E6E6"/>
+                </a:solidFill>
+              </a:rPr>
+              <a:t>Removing code that perform actions from the object to state classes</a:t>
+            </a:r>
+          </a:p>
+          <a:p>
+            <a:endParaRPr lang="en-US">
+              <a:solidFill>
+                <a:srgbClr val="E6E6E6"/>
+              </a:solidFill>
+            </a:endParaRPr>
+          </a:p>
+          <a:p>
+            <a:r>
+              <a:rPr lang="en-US">
+                <a:solidFill>
+                  <a:srgbClr val="E6E6E6"/>
+                </a:solidFill>
+              </a:rPr>
+              <a:t>Second step :</a:t>
+            </a:r>
+          </a:p>
+          <a:p>
+            <a:pPr lvl="1"/>
+            <a:r>
+              <a:rPr lang="en-US">
+                <a:solidFill>
+                  <a:srgbClr val="E6E6E6"/>
+                </a:solidFill>
+              </a:rPr>
+              <a:t>Create an interface that represent the different actions of the object</a:t>
+            </a:r>
+          </a:p>
+          <a:p>
+            <a:pPr marL="457200" lvl="1" indent="0">
+              <a:buNone/>
+            </a:pPr>
+            <a:endParaRPr lang="en-US">
+              <a:solidFill>
+                <a:srgbClr val="E6E6E6"/>
+              </a:solidFill>
+            </a:endParaRPr>
+          </a:p>
+          <a:p>
+            <a:r>
+              <a:rPr lang="en-US">
+                <a:solidFill>
+                  <a:srgbClr val="E6E6E6"/>
+                </a:solidFill>
+              </a:rPr>
+              <a:t>Final step :</a:t>
+            </a:r>
+          </a:p>
+          <a:p>
+            <a:pPr lvl="1"/>
+            <a:r>
+              <a:rPr lang="en-US">
+                <a:solidFill>
+                  <a:srgbClr val="E6E6E6"/>
+                </a:solidFill>
+              </a:rPr>
+              <a:t>Use polymorphism to link the object with the different states</a:t>
+            </a:r>
+          </a:p>
+          <a:p>
+            <a:endParaRPr lang="en-US">
+              <a:solidFill>
+                <a:schemeClr val="bg1"/>
+              </a:solidFill>
+            </a:endParaRPr>
+          </a:p>
+        </p:txBody>
+      </p:sp>
+    </p:spTree>
+    <p:extLst>
+      <p:ext uri="{BB962C8B-B14F-4D97-AF65-F5344CB8AC3E}">
+        <p14:creationId xmlns:p14="http://schemas.microsoft.com/office/powerpoint/2010/main" val="3974647161"/>
+      </p:ext>
+    </p:extLst>
+  </p:cSld>
+  <p:clrMapOvr>
+    <a:masterClrMapping/>
+  </p:clrMapOvr>
+</p:sld>
+</file>
+
+<file path=ppt/slides/slide15.xml><?xml version="1.0" encoding="utf-8"?>
+<p:sld xmlns:a="http://schemas.openxmlformats.org/drawingml/2006/main" xmlns:r="http://schemas.openxmlformats.org/officeDocument/2006/relationships" xmlns:p="http://schemas.openxmlformats.org/presentationml/2006/main">
+  <p:cSld>
+    <p:spTree>
+      <p:nvGrpSpPr>
+        <p:cNvPr id="1" name=""/>
+        <p:cNvGrpSpPr/>
+        <p:nvPr/>
+      </p:nvGrpSpPr>
+      <p:grpSpPr>
+        <a:xfrm>
+          <a:off x="0" y="0"/>
+          <a:ext cx="0" cy="0"/>
+          <a:chOff x="0" y="0"/>
+          <a:chExt cx="0" cy="0"/>
+        </a:xfrm>
+      </p:grpSpPr>
+      <p:sp>
+        <p:nvSpPr>
+          <p:cNvPr id="2" name="Title 1">
+            <a:extLst>
+              <a:ext uri="{FF2B5EF4-FFF2-40B4-BE49-F238E27FC236}">
+                <a16:creationId xmlns:a16="http://schemas.microsoft.com/office/drawing/2014/main" id="{96736D52-4961-EE7F-ED71-B447E3B8ABF5}"/>
+              </a:ext>
+            </a:extLst>
+          </p:cNvPr>
+          <p:cNvSpPr>
+            <a:spLocks noGrp="1"/>
+          </p:cNvSpPr>
+          <p:nvPr>
+            <p:ph type="title"/>
+          </p:nvPr>
+        </p:nvSpPr>
+        <p:spPr/>
+        <p:txBody>
+          <a:bodyPr/>
+          <a:lstStyle/>
+          <a:p>
+            <a:r>
+              <a:rPr lang="fr-BE" b="1">
+                <a:solidFill>
+                  <a:schemeClr val="bg1"/>
+                </a:solidFill>
+              </a:rPr>
+              <a:t>How to avoid the identified problems ?</a:t>
+            </a:r>
+          </a:p>
+        </p:txBody>
+      </p:sp>
+      <p:sp>
+        <p:nvSpPr>
+          <p:cNvPr id="3" name="Content Placeholder 2">
+            <a:extLst>
+              <a:ext uri="{FF2B5EF4-FFF2-40B4-BE49-F238E27FC236}">
+                <a16:creationId xmlns:a16="http://schemas.microsoft.com/office/drawing/2014/main" id="{000CA789-C2CC-9958-35FB-5935AA7D71CE}"/>
+              </a:ext>
+            </a:extLst>
+          </p:cNvPr>
+          <p:cNvSpPr>
+            <a:spLocks noGrp="1"/>
+          </p:cNvSpPr>
+          <p:nvPr>
+            <p:ph idx="1"/>
+          </p:nvPr>
+        </p:nvSpPr>
+        <p:spPr>
+          <a:xfrm>
+            <a:off x="838200" y="1825625"/>
+            <a:ext cx="10515600" cy="4351439"/>
+          </a:xfrm>
+        </p:spPr>
+        <p:txBody>
+          <a:bodyPr>
+            <a:noAutofit/>
+          </a:bodyPr>
+          <a:lstStyle/>
+          <a:p>
+            <a:pPr marL="457200" lvl="1" indent="0">
+              <a:buNone/>
+            </a:pPr>
+            <a:endParaRPr lang="en-US">
+              <a:solidFill>
+                <a:srgbClr val="E6E6E6"/>
+              </a:solidFill>
+            </a:endParaRPr>
+          </a:p>
+          <a:p>
+            <a:endParaRPr lang="en-US">
+              <a:solidFill>
+                <a:schemeClr val="bg1"/>
+              </a:solidFill>
+            </a:endParaRPr>
+          </a:p>
+        </p:txBody>
+      </p:sp>
+      <p:pic>
+        <p:nvPicPr>
+          <p:cNvPr id="5" name="Image 4">
+            <a:extLst>
+              <a:ext uri="{FF2B5EF4-FFF2-40B4-BE49-F238E27FC236}">
+                <a16:creationId xmlns:a16="http://schemas.microsoft.com/office/drawing/2014/main" id="{89621ABA-63BB-A00E-BDF0-D67BC30D7699}"/>
+              </a:ext>
+            </a:extLst>
+          </p:cNvPr>
+          <p:cNvPicPr>
+            <a:picLocks noChangeAspect="1"/>
+          </p:cNvPicPr>
+          <p:nvPr/>
+        </p:nvPicPr>
+        <p:blipFill>
+          <a:blip r:embed="rId2"/>
+          <a:stretch>
+            <a:fillRect/>
+          </a:stretch>
+        </p:blipFill>
+        <p:spPr>
+          <a:xfrm>
+            <a:off x="0" y="2365219"/>
+            <a:ext cx="12192000" cy="3272249"/>
+          </a:xfrm>
+          <a:prstGeom prst="rect">
+            <a:avLst/>
+          </a:prstGeom>
+        </p:spPr>
+      </p:pic>
+    </p:spTree>
+    <p:extLst>
+      <p:ext uri="{BB962C8B-B14F-4D97-AF65-F5344CB8AC3E}">
+        <p14:creationId xmlns:p14="http://schemas.microsoft.com/office/powerpoint/2010/main" val="2728902919"/>
+      </p:ext>
+    </p:extLst>
+  </p:cSld>
+  <p:clrMapOvr>
+    <a:masterClrMapping/>
+  </p:clrMapOvr>
+</p:sld>
+</file>
+
+<file path=ppt/slides/slide16.xml><?xml version="1.0" encoding="utf-8"?>
+<p:sld xmlns:a="http://schemas.openxmlformats.org/drawingml/2006/main" xmlns:r="http://schemas.openxmlformats.org/officeDocument/2006/relationships" xmlns:p="http://schemas.openxmlformats.org/presentationml/2006/main">
+  <p:cSld>
+    <p:spTree>
+      <p:nvGrpSpPr>
+        <p:cNvPr id="1" name=""/>
+        <p:cNvGrpSpPr/>
+        <p:nvPr/>
+      </p:nvGrpSpPr>
+      <p:grpSpPr>
+        <a:xfrm>
+          <a:off x="0" y="0"/>
+          <a:ext cx="0" cy="0"/>
+          <a:chOff x="0" y="0"/>
+          <a:chExt cx="0" cy="0"/>
+        </a:xfrm>
+      </p:grpSpPr>
+      <p:sp>
+        <p:nvSpPr>
+          <p:cNvPr id="2" name="Title 1">
+            <a:extLst>
+              <a:ext uri="{FF2B5EF4-FFF2-40B4-BE49-F238E27FC236}">
                 <a16:creationId xmlns:a16="http://schemas.microsoft.com/office/drawing/2014/main" id="{9949F6FA-C09D-512E-73E6-A3D56F647299}"/>
               </a:ext>
             </a:extLst>
@@ -4406,7 +5529,7 @@
 </p:sld>
 </file>
 
-<file path=ppt/slides/slide11.xml><?xml version="1.0" encoding="utf-8"?>
+<file path=ppt/slides/slide17.xml><?xml version="1.0" encoding="utf-8"?>
 <p:sld xmlns:a="http://schemas.openxmlformats.org/drawingml/2006/main" xmlns:r="http://schemas.openxmlformats.org/officeDocument/2006/relationships" xmlns:p="http://schemas.openxmlformats.org/presentationml/2006/main">
   <p:cSld>
     <p:spTree>
@@ -4522,7 +5645,7 @@
 </p:sld>
 </file>
 
-<file path=ppt/slides/slide12.xml><?xml version="1.0" encoding="utf-8"?>
+<file path=ppt/slides/slide18.xml><?xml version="1.0" encoding="utf-8"?>
 <p:sld xmlns:a="http://schemas.openxmlformats.org/drawingml/2006/main" xmlns:r="http://schemas.openxmlformats.org/officeDocument/2006/relationships" xmlns:p="http://schemas.openxmlformats.org/presentationml/2006/main">
   <p:cSld>
     <p:spTree>
@@ -4667,7 +5790,7 @@
 </p:sld>
 </file>
 
-<file path=ppt/slides/slide13.xml><?xml version="1.0" encoding="utf-8"?>
+<file path=ppt/slides/slide19.xml><?xml version="1.0" encoding="utf-8"?>
 <p:sld xmlns:a="http://schemas.openxmlformats.org/drawingml/2006/main" xmlns:r="http://schemas.openxmlformats.org/officeDocument/2006/relationships" xmlns:p="http://schemas.openxmlformats.org/presentationml/2006/main">
   <p:cSld>
     <p:spTree>
@@ -4799,910 +5922,6 @@
 </p:sld>
 </file>
 
-<file path=ppt/slides/slide14.xml><?xml version="1.0" encoding="utf-8"?>
-<p:sld xmlns:a="http://schemas.openxmlformats.org/drawingml/2006/main" xmlns:r="http://schemas.openxmlformats.org/officeDocument/2006/relationships" xmlns:p="http://schemas.openxmlformats.org/presentationml/2006/main">
-  <p:cSld>
-    <p:spTree>
-      <p:nvGrpSpPr>
-        <p:cNvPr id="1" name=""/>
-        <p:cNvGrpSpPr/>
-        <p:nvPr/>
-      </p:nvGrpSpPr>
-      <p:grpSpPr>
-        <a:xfrm>
-          <a:off x="0" y="0"/>
-          <a:ext cx="0" cy="0"/>
-          <a:chOff x="0" y="0"/>
-          <a:chExt cx="0" cy="0"/>
-        </a:xfrm>
-      </p:grpSpPr>
-      <p:sp>
-        <p:nvSpPr>
-          <p:cNvPr id="2" name="Title 1">
-            <a:extLst>
-              <a:ext uri="{FF2B5EF4-FFF2-40B4-BE49-F238E27FC236}">
-                <a16:creationId xmlns:a16="http://schemas.microsoft.com/office/drawing/2014/main" id="{9949F6FA-C09D-512E-73E6-A3D56F647299}"/>
-              </a:ext>
-            </a:extLst>
-          </p:cNvPr>
-          <p:cNvSpPr>
-            <a:spLocks noGrp="1"/>
-          </p:cNvSpPr>
-          <p:nvPr>
-            <p:ph type="ctrTitle"/>
-          </p:nvPr>
-        </p:nvSpPr>
-        <p:spPr>
-          <a:xfrm>
-            <a:off x="1524000" y="1122363"/>
-            <a:ext cx="9144000" cy="2387600"/>
-          </a:xfrm>
-        </p:spPr>
-        <p:txBody>
-          <a:bodyPr/>
-          <a:lstStyle/>
-          <a:p>
-            <a:r>
-              <a:rPr lang="en-US">
-                <a:solidFill>
-                  <a:schemeClr val="bg1"/>
-                </a:solidFill>
-                <a:latin typeface="Calibri" panose="020F0502020204030204" pitchFamily="34" charset="0"/>
-                <a:ea typeface="Calibri" panose="020F0502020204030204" pitchFamily="34" charset="0"/>
-                <a:cs typeface="Calibri" panose="020F0502020204030204" pitchFamily="34" charset="0"/>
-              </a:rPr>
-              <a:t>Pros &amp; Cons</a:t>
-            </a:r>
-          </a:p>
-        </p:txBody>
-      </p:sp>
-    </p:spTree>
-    <p:extLst>
-      <p:ext uri="{BB962C8B-B14F-4D97-AF65-F5344CB8AC3E}">
-        <p14:creationId xmlns:p14="http://schemas.microsoft.com/office/powerpoint/2010/main" val="390565957"/>
-      </p:ext>
-    </p:extLst>
-  </p:cSld>
-  <p:clrMapOvr>
-    <a:masterClrMapping/>
-  </p:clrMapOvr>
-</p:sld>
-</file>
-
-<file path=ppt/slides/slide15.xml><?xml version="1.0" encoding="utf-8"?>
-<p:sld xmlns:a="http://schemas.openxmlformats.org/drawingml/2006/main" xmlns:r="http://schemas.openxmlformats.org/officeDocument/2006/relationships" xmlns:p="http://schemas.openxmlformats.org/presentationml/2006/main">
-  <p:cSld>
-    <p:spTree>
-      <p:nvGrpSpPr>
-        <p:cNvPr id="1" name=""/>
-        <p:cNvGrpSpPr/>
-        <p:nvPr/>
-      </p:nvGrpSpPr>
-      <p:grpSpPr>
-        <a:xfrm>
-          <a:off x="0" y="0"/>
-          <a:ext cx="0" cy="0"/>
-          <a:chOff x="0" y="0"/>
-          <a:chExt cx="0" cy="0"/>
-        </a:xfrm>
-      </p:grpSpPr>
-      <p:sp>
-        <p:nvSpPr>
-          <p:cNvPr id="2" name="Title 1">
-            <a:extLst>
-              <a:ext uri="{FF2B5EF4-FFF2-40B4-BE49-F238E27FC236}">
-                <a16:creationId xmlns:a16="http://schemas.microsoft.com/office/drawing/2014/main" id="{96736D52-4961-EE7F-ED71-B447E3B8ABF5}"/>
-              </a:ext>
-            </a:extLst>
-          </p:cNvPr>
-          <p:cNvSpPr>
-            <a:spLocks noGrp="1"/>
-          </p:cNvSpPr>
-          <p:nvPr>
-            <p:ph type="title"/>
-          </p:nvPr>
-        </p:nvSpPr>
-        <p:spPr>
-          <a:xfrm>
-            <a:off x="838200" y="365125"/>
-            <a:ext cx="3893191" cy="1325563"/>
-          </a:xfrm>
-        </p:spPr>
-        <p:txBody>
-          <a:bodyPr/>
-          <a:lstStyle/>
-          <a:p>
-            <a:r>
-              <a:rPr lang="fr-BE" b="1">
-                <a:solidFill>
-                  <a:schemeClr val="bg1"/>
-                </a:solidFill>
-              </a:rPr>
-              <a:t>Pros</a:t>
-            </a:r>
-          </a:p>
-        </p:txBody>
-      </p:sp>
-      <p:sp>
-        <p:nvSpPr>
-          <p:cNvPr id="3" name="Content Placeholder 2">
-            <a:extLst>
-              <a:ext uri="{FF2B5EF4-FFF2-40B4-BE49-F238E27FC236}">
-                <a16:creationId xmlns:a16="http://schemas.microsoft.com/office/drawing/2014/main" id="{000CA789-C2CC-9958-35FB-5935AA7D71CE}"/>
-              </a:ext>
-            </a:extLst>
-          </p:cNvPr>
-          <p:cNvSpPr>
-            <a:spLocks noGrp="1"/>
-          </p:cNvSpPr>
-          <p:nvPr>
-            <p:ph idx="1"/>
-          </p:nvPr>
-        </p:nvSpPr>
-        <p:spPr>
-          <a:xfrm>
-            <a:off x="838200" y="1825625"/>
-            <a:ext cx="4052582" cy="4351439"/>
-          </a:xfrm>
-        </p:spPr>
-        <p:txBody>
-          <a:bodyPr>
-            <a:noAutofit/>
-          </a:bodyPr>
-          <a:lstStyle/>
-          <a:p>
-            <a:pPr>
-              <a:buFont typeface="Wingdings" panose="05000000000000000000" pitchFamily="2" charset="2"/>
-              <a:buChar char="ü"/>
-            </a:pPr>
-            <a:r>
-              <a:rPr lang="en-US">
-                <a:solidFill>
-                  <a:schemeClr val="accent6"/>
-                </a:solidFill>
-              </a:rPr>
-              <a:t>Text Here</a:t>
-            </a:r>
-          </a:p>
-          <a:p>
-            <a:pPr>
-              <a:buFont typeface="Wingdings" panose="05000000000000000000" pitchFamily="2" charset="2"/>
-              <a:buChar char="ü"/>
-            </a:pPr>
-            <a:r>
-              <a:rPr lang="en-US">
-                <a:solidFill>
-                  <a:schemeClr val="accent6"/>
-                </a:solidFill>
-              </a:rPr>
-              <a:t>Bullet point formatting</a:t>
-            </a:r>
-          </a:p>
-          <a:p>
-            <a:endParaRPr lang="en-US">
-              <a:solidFill>
-                <a:srgbClr val="E6E6E6"/>
-              </a:solidFill>
-            </a:endParaRPr>
-          </a:p>
-          <a:p>
-            <a:endParaRPr lang="en-US">
-              <a:solidFill>
-                <a:schemeClr val="bg1"/>
-              </a:solidFill>
-            </a:endParaRPr>
-          </a:p>
-        </p:txBody>
-      </p:sp>
-      <p:sp>
-        <p:nvSpPr>
-          <p:cNvPr id="4" name="Title 1">
-            <a:extLst>
-              <a:ext uri="{FF2B5EF4-FFF2-40B4-BE49-F238E27FC236}">
-                <a16:creationId xmlns:a16="http://schemas.microsoft.com/office/drawing/2014/main" id="{CAB91401-13BA-174A-DF10-6ABA44AF76EA}"/>
-              </a:ext>
-            </a:extLst>
-          </p:cNvPr>
-          <p:cNvSpPr txBox="1">
-            <a:spLocks/>
-          </p:cNvSpPr>
-          <p:nvPr/>
-        </p:nvSpPr>
-        <p:spPr>
-          <a:xfrm>
-            <a:off x="7460611" y="432593"/>
-            <a:ext cx="3893191" cy="1325563"/>
-          </a:xfrm>
-          <a:prstGeom prst="rect">
-            <a:avLst/>
-          </a:prstGeom>
-        </p:spPr>
-        <p:txBody>
-          <a:bodyPr vert="horz" lIns="91440" tIns="45720" rIns="91440" bIns="45720" rtlCol="0" anchor="ctr">
-            <a:normAutofit/>
-          </a:bodyPr>
-          <a:lstStyle>
-            <a:lvl1pPr algn="l" defTabSz="914400" rtl="0" eaLnBrk="1" latinLnBrk="0" hangingPunct="1">
-              <a:lnSpc>
-                <a:spcPct val="90000"/>
-              </a:lnSpc>
-              <a:spcBef>
-                <a:spcPct val="0"/>
-              </a:spcBef>
-              <a:buNone/>
-              <a:defRPr sz="4400" kern="1200">
-                <a:solidFill>
-                  <a:schemeClr val="tx1"/>
-                </a:solidFill>
-                <a:latin typeface="+mj-lt"/>
-                <a:ea typeface="+mj-ea"/>
-                <a:cs typeface="+mj-cs"/>
-              </a:defRPr>
-            </a:lvl1pPr>
-          </a:lstStyle>
-          <a:p>
-            <a:pPr algn="r"/>
-            <a:r>
-              <a:rPr lang="fr-BE" b="1">
-                <a:solidFill>
-                  <a:schemeClr val="bg1"/>
-                </a:solidFill>
-              </a:rPr>
-              <a:t>Cons</a:t>
-            </a:r>
-          </a:p>
-        </p:txBody>
-      </p:sp>
-      <p:sp>
-        <p:nvSpPr>
-          <p:cNvPr id="5" name="Content Placeholder 2">
-            <a:extLst>
-              <a:ext uri="{FF2B5EF4-FFF2-40B4-BE49-F238E27FC236}">
-                <a16:creationId xmlns:a16="http://schemas.microsoft.com/office/drawing/2014/main" id="{9D010D99-FE96-794B-831A-45A25803B65F}"/>
-              </a:ext>
-            </a:extLst>
-          </p:cNvPr>
-          <p:cNvSpPr txBox="1">
-            <a:spLocks/>
-          </p:cNvSpPr>
-          <p:nvPr/>
-        </p:nvSpPr>
-        <p:spPr>
-          <a:xfrm>
-            <a:off x="7301220" y="1825624"/>
-            <a:ext cx="4052582" cy="4351439"/>
-          </a:xfrm>
-          <a:prstGeom prst="rect">
-            <a:avLst/>
-          </a:prstGeom>
-        </p:spPr>
-        <p:txBody>
-          <a:bodyPr vert="horz" lIns="91440" tIns="45720" rIns="91440" bIns="45720" rtlCol="0">
-            <a:noAutofit/>
-          </a:bodyPr>
-          <a:lstStyle>
-            <a:lvl1pPr marL="228600" indent="-228600" algn="l" defTabSz="914400" rtl="0" eaLnBrk="1" latinLnBrk="0" hangingPunct="1">
-              <a:lnSpc>
-                <a:spcPct val="90000"/>
-              </a:lnSpc>
-              <a:spcBef>
-                <a:spcPts val="1000"/>
-              </a:spcBef>
-              <a:buFont typeface="Arial" panose="020B0604020202020204" pitchFamily="34" charset="0"/>
-              <a:buChar char="•"/>
-              <a:defRPr sz="2800" kern="1200">
-                <a:solidFill>
-                  <a:schemeClr val="tx1"/>
-                </a:solidFill>
-                <a:latin typeface="+mn-lt"/>
-                <a:ea typeface="+mn-ea"/>
-                <a:cs typeface="+mn-cs"/>
-              </a:defRPr>
-            </a:lvl1pPr>
-            <a:lvl2pPr marL="685800" indent="-228600" algn="l" defTabSz="914400" rtl="0" eaLnBrk="1" latinLnBrk="0" hangingPunct="1">
-              <a:lnSpc>
-                <a:spcPct val="90000"/>
-              </a:lnSpc>
-              <a:spcBef>
-                <a:spcPts val="500"/>
-              </a:spcBef>
-              <a:buFont typeface="Arial" panose="020B0604020202020204" pitchFamily="34" charset="0"/>
-              <a:buChar char="•"/>
-              <a:defRPr sz="2400" kern="1200">
-                <a:solidFill>
-                  <a:schemeClr val="tx1"/>
-                </a:solidFill>
-                <a:latin typeface="+mn-lt"/>
-                <a:ea typeface="+mn-ea"/>
-                <a:cs typeface="+mn-cs"/>
-              </a:defRPr>
-            </a:lvl2pPr>
-            <a:lvl3pPr marL="1143000" indent="-228600" algn="l" defTabSz="914400" rtl="0" eaLnBrk="1" latinLnBrk="0" hangingPunct="1">
-              <a:lnSpc>
-                <a:spcPct val="90000"/>
-              </a:lnSpc>
-              <a:spcBef>
-                <a:spcPts val="500"/>
-              </a:spcBef>
-              <a:buFont typeface="Arial" panose="020B0604020202020204" pitchFamily="34" charset="0"/>
-              <a:buChar char="•"/>
-              <a:defRPr sz="2000" kern="1200">
-                <a:solidFill>
-                  <a:schemeClr val="tx1"/>
-                </a:solidFill>
-                <a:latin typeface="+mn-lt"/>
-                <a:ea typeface="+mn-ea"/>
-                <a:cs typeface="+mn-cs"/>
-              </a:defRPr>
-            </a:lvl3pPr>
-            <a:lvl4pPr marL="1600200" indent="-228600" algn="l" defTabSz="914400" rtl="0" eaLnBrk="1" latinLnBrk="0" hangingPunct="1">
-              <a:lnSpc>
-                <a:spcPct val="90000"/>
-              </a:lnSpc>
-              <a:spcBef>
-                <a:spcPts val="500"/>
-              </a:spcBef>
-              <a:buFont typeface="Arial" panose="020B0604020202020204" pitchFamily="34" charset="0"/>
-              <a:buChar char="•"/>
-              <a:defRPr sz="1800" kern="1200">
-                <a:solidFill>
-                  <a:schemeClr val="tx1"/>
-                </a:solidFill>
-                <a:latin typeface="+mn-lt"/>
-                <a:ea typeface="+mn-ea"/>
-                <a:cs typeface="+mn-cs"/>
-              </a:defRPr>
-            </a:lvl4pPr>
-            <a:lvl5pPr marL="2057400" indent="-228600" algn="l" defTabSz="914400" rtl="0" eaLnBrk="1" latinLnBrk="0" hangingPunct="1">
-              <a:lnSpc>
-                <a:spcPct val="90000"/>
-              </a:lnSpc>
-              <a:spcBef>
-                <a:spcPts val="500"/>
-              </a:spcBef>
-              <a:buFont typeface="Arial" panose="020B0604020202020204" pitchFamily="34" charset="0"/>
-              <a:buChar char="•"/>
-              <a:defRPr sz="1800" kern="1200">
-                <a:solidFill>
-                  <a:schemeClr val="tx1"/>
-                </a:solidFill>
-                <a:latin typeface="+mn-lt"/>
-                <a:ea typeface="+mn-ea"/>
-                <a:cs typeface="+mn-cs"/>
-              </a:defRPr>
-            </a:lvl5pPr>
-            <a:lvl6pPr marL="2514600" indent="-228600" algn="l" defTabSz="914400" rtl="0" eaLnBrk="1" latinLnBrk="0" hangingPunct="1">
-              <a:lnSpc>
-                <a:spcPct val="90000"/>
-              </a:lnSpc>
-              <a:spcBef>
-                <a:spcPts val="500"/>
-              </a:spcBef>
-              <a:buFont typeface="Arial" panose="020B0604020202020204" pitchFamily="34" charset="0"/>
-              <a:buChar char="•"/>
-              <a:defRPr sz="1800" kern="1200">
-                <a:solidFill>
-                  <a:schemeClr val="tx1"/>
-                </a:solidFill>
-                <a:latin typeface="+mn-lt"/>
-                <a:ea typeface="+mn-ea"/>
-                <a:cs typeface="+mn-cs"/>
-              </a:defRPr>
-            </a:lvl6pPr>
-            <a:lvl7pPr marL="2971800" indent="-228600" algn="l" defTabSz="914400" rtl="0" eaLnBrk="1" latinLnBrk="0" hangingPunct="1">
-              <a:lnSpc>
-                <a:spcPct val="90000"/>
-              </a:lnSpc>
-              <a:spcBef>
-                <a:spcPts val="500"/>
-              </a:spcBef>
-              <a:buFont typeface="Arial" panose="020B0604020202020204" pitchFamily="34" charset="0"/>
-              <a:buChar char="•"/>
-              <a:defRPr sz="1800" kern="1200">
-                <a:solidFill>
-                  <a:schemeClr val="tx1"/>
-                </a:solidFill>
-                <a:latin typeface="+mn-lt"/>
-                <a:ea typeface="+mn-ea"/>
-                <a:cs typeface="+mn-cs"/>
-              </a:defRPr>
-            </a:lvl7pPr>
-            <a:lvl8pPr marL="3429000" indent="-228600" algn="l" defTabSz="914400" rtl="0" eaLnBrk="1" latinLnBrk="0" hangingPunct="1">
-              <a:lnSpc>
-                <a:spcPct val="90000"/>
-              </a:lnSpc>
-              <a:spcBef>
-                <a:spcPts val="500"/>
-              </a:spcBef>
-              <a:buFont typeface="Arial" panose="020B0604020202020204" pitchFamily="34" charset="0"/>
-              <a:buChar char="•"/>
-              <a:defRPr sz="1800" kern="1200">
-                <a:solidFill>
-                  <a:schemeClr val="tx1"/>
-                </a:solidFill>
-                <a:latin typeface="+mn-lt"/>
-                <a:ea typeface="+mn-ea"/>
-                <a:cs typeface="+mn-cs"/>
-              </a:defRPr>
-            </a:lvl8pPr>
-            <a:lvl9pPr marL="3886200" indent="-228600" algn="l" defTabSz="914400" rtl="0" eaLnBrk="1" latinLnBrk="0" hangingPunct="1">
-              <a:lnSpc>
-                <a:spcPct val="90000"/>
-              </a:lnSpc>
-              <a:spcBef>
-                <a:spcPts val="500"/>
-              </a:spcBef>
-              <a:buFont typeface="Arial" panose="020B0604020202020204" pitchFamily="34" charset="0"/>
-              <a:buChar char="•"/>
-              <a:defRPr sz="1800" kern="1200">
-                <a:solidFill>
-                  <a:schemeClr val="tx1"/>
-                </a:solidFill>
-                <a:latin typeface="+mn-lt"/>
-                <a:ea typeface="+mn-ea"/>
-                <a:cs typeface="+mn-cs"/>
-              </a:defRPr>
-            </a:lvl9pPr>
-          </a:lstStyle>
-          <a:p>
-            <a:r>
-              <a:rPr lang="en-US">
-                <a:solidFill>
-                  <a:srgbClr val="FF0000"/>
-                </a:solidFill>
-              </a:rPr>
-              <a:t>Text Here</a:t>
-            </a:r>
-          </a:p>
-          <a:p>
-            <a:r>
-              <a:rPr lang="en-US">
-                <a:solidFill>
-                  <a:srgbClr val="FF0000"/>
-                </a:solidFill>
-              </a:rPr>
-              <a:t>Bullet point formatting</a:t>
-            </a:r>
-          </a:p>
-          <a:p>
-            <a:endParaRPr lang="en-US">
-              <a:solidFill>
-                <a:srgbClr val="FF0000"/>
-              </a:solidFill>
-            </a:endParaRPr>
-          </a:p>
-          <a:p>
-            <a:endParaRPr lang="en-US">
-              <a:solidFill>
-                <a:srgbClr val="FF0000"/>
-              </a:solidFill>
-            </a:endParaRPr>
-          </a:p>
-        </p:txBody>
-      </p:sp>
-    </p:spTree>
-    <p:extLst>
-      <p:ext uri="{BB962C8B-B14F-4D97-AF65-F5344CB8AC3E}">
-        <p14:creationId xmlns:p14="http://schemas.microsoft.com/office/powerpoint/2010/main" val="3886253825"/>
-      </p:ext>
-    </p:extLst>
-  </p:cSld>
-  <p:clrMapOvr>
-    <a:masterClrMapping/>
-  </p:clrMapOvr>
-</p:sld>
-</file>
-
-<file path=ppt/slides/slide16.xml><?xml version="1.0" encoding="utf-8"?>
-<p:sld xmlns:a="http://schemas.openxmlformats.org/drawingml/2006/main" xmlns:r="http://schemas.openxmlformats.org/officeDocument/2006/relationships" xmlns:p="http://schemas.openxmlformats.org/presentationml/2006/main">
-  <p:cSld>
-    <p:spTree>
-      <p:nvGrpSpPr>
-        <p:cNvPr id="1" name=""/>
-        <p:cNvGrpSpPr/>
-        <p:nvPr/>
-      </p:nvGrpSpPr>
-      <p:grpSpPr>
-        <a:xfrm>
-          <a:off x="0" y="0"/>
-          <a:ext cx="0" cy="0"/>
-          <a:chOff x="0" y="0"/>
-          <a:chExt cx="0" cy="0"/>
-        </a:xfrm>
-      </p:grpSpPr>
-      <p:sp>
-        <p:nvSpPr>
-          <p:cNvPr id="2" name="Title 1">
-            <a:extLst>
-              <a:ext uri="{FF2B5EF4-FFF2-40B4-BE49-F238E27FC236}">
-                <a16:creationId xmlns:a16="http://schemas.microsoft.com/office/drawing/2014/main" id="{9949F6FA-C09D-512E-73E6-A3D56F647299}"/>
-              </a:ext>
-            </a:extLst>
-          </p:cNvPr>
-          <p:cNvSpPr>
-            <a:spLocks noGrp="1"/>
-          </p:cNvSpPr>
-          <p:nvPr>
-            <p:ph type="ctrTitle"/>
-          </p:nvPr>
-        </p:nvSpPr>
-        <p:spPr>
-          <a:xfrm>
-            <a:off x="1524000" y="1122363"/>
-            <a:ext cx="9144000" cy="2387600"/>
-          </a:xfrm>
-        </p:spPr>
-        <p:txBody>
-          <a:bodyPr/>
-          <a:lstStyle/>
-          <a:p>
-            <a:r>
-              <a:rPr lang="en-US">
-                <a:solidFill>
-                  <a:schemeClr val="bg1"/>
-                </a:solidFill>
-                <a:latin typeface="Calibri" panose="020F0502020204030204" pitchFamily="34" charset="0"/>
-                <a:ea typeface="Calibri" panose="020F0502020204030204" pitchFamily="34" charset="0"/>
-                <a:cs typeface="Calibri" panose="020F0502020204030204" pitchFamily="34" charset="0"/>
-              </a:rPr>
-              <a:t>Thank you!</a:t>
-            </a:r>
-          </a:p>
-        </p:txBody>
-      </p:sp>
-      <p:sp>
-        <p:nvSpPr>
-          <p:cNvPr id="3" name="Subtitle 2">
-            <a:extLst>
-              <a:ext uri="{FF2B5EF4-FFF2-40B4-BE49-F238E27FC236}">
-                <a16:creationId xmlns:a16="http://schemas.microsoft.com/office/drawing/2014/main" id="{9A927E25-F07F-BA2E-D793-0619FB6403C0}"/>
-              </a:ext>
-            </a:extLst>
-          </p:cNvPr>
-          <p:cNvSpPr>
-            <a:spLocks noGrp="1"/>
-          </p:cNvSpPr>
-          <p:nvPr>
-            <p:ph type="subTitle" idx="1"/>
-          </p:nvPr>
-        </p:nvSpPr>
-        <p:spPr>
-          <a:xfrm>
-            <a:off x="1524000" y="3602038"/>
-            <a:ext cx="9144000" cy="1655762"/>
-          </a:xfrm>
-        </p:spPr>
-        <p:txBody>
-          <a:bodyPr>
-            <a:normAutofit/>
-          </a:bodyPr>
-          <a:lstStyle/>
-          <a:p>
-            <a:r>
-              <a:rPr lang="en-US" sz="4000">
-                <a:solidFill>
-                  <a:schemeClr val="bg1"/>
-                </a:solidFill>
-              </a:rPr>
-              <a:t>Any question?</a:t>
-            </a:r>
-          </a:p>
-        </p:txBody>
-      </p:sp>
-    </p:spTree>
-    <p:extLst>
-      <p:ext uri="{BB962C8B-B14F-4D97-AF65-F5344CB8AC3E}">
-        <p14:creationId xmlns:p14="http://schemas.microsoft.com/office/powerpoint/2010/main" val="3467780949"/>
-      </p:ext>
-    </p:extLst>
-  </p:cSld>
-  <p:clrMapOvr>
-    <a:masterClrMapping/>
-  </p:clrMapOvr>
-</p:sld>
-</file>
-
-<file path=ppt/slides/slide17.xml><?xml version="1.0" encoding="utf-8"?>
-<p:sld xmlns:a="http://schemas.openxmlformats.org/drawingml/2006/main" xmlns:r="http://schemas.openxmlformats.org/officeDocument/2006/relationships" xmlns:p="http://schemas.openxmlformats.org/presentationml/2006/main" show="0">
-  <p:cSld>
-    <p:spTree>
-      <p:nvGrpSpPr>
-        <p:cNvPr id="1" name=""/>
-        <p:cNvGrpSpPr/>
-        <p:nvPr/>
-      </p:nvGrpSpPr>
-      <p:grpSpPr>
-        <a:xfrm>
-          <a:off x="0" y="0"/>
-          <a:ext cx="0" cy="0"/>
-          <a:chOff x="0" y="0"/>
-          <a:chExt cx="0" cy="0"/>
-        </a:xfrm>
-      </p:grpSpPr>
-      <p:sp>
-        <p:nvSpPr>
-          <p:cNvPr id="2" name="Title 1">
-            <a:extLst>
-              <a:ext uri="{FF2B5EF4-FFF2-40B4-BE49-F238E27FC236}">
-                <a16:creationId xmlns:a16="http://schemas.microsoft.com/office/drawing/2014/main" id="{9949F6FA-C09D-512E-73E6-A3D56F647299}"/>
-              </a:ext>
-            </a:extLst>
-          </p:cNvPr>
-          <p:cNvSpPr>
-            <a:spLocks noGrp="1"/>
-          </p:cNvSpPr>
-          <p:nvPr>
-            <p:ph type="ctrTitle"/>
-          </p:nvPr>
-        </p:nvSpPr>
-        <p:spPr>
-          <a:xfrm>
-            <a:off x="1524000" y="1122363"/>
-            <a:ext cx="9144000" cy="2387600"/>
-          </a:xfrm>
-        </p:spPr>
-        <p:txBody>
-          <a:bodyPr/>
-          <a:lstStyle/>
-          <a:p>
-            <a:r>
-              <a:rPr lang="en-US">
-                <a:solidFill>
-                  <a:schemeClr val="bg1"/>
-                </a:solidFill>
-                <a:latin typeface="Calibri" panose="020F0502020204030204" pitchFamily="34" charset="0"/>
-                <a:ea typeface="Calibri" panose="020F0502020204030204" pitchFamily="34" charset="0"/>
-                <a:cs typeface="Calibri" panose="020F0502020204030204" pitchFamily="34" charset="0"/>
-              </a:rPr>
-              <a:t>Title slide</a:t>
-            </a:r>
-          </a:p>
-        </p:txBody>
-      </p:sp>
-      <p:sp>
-        <p:nvSpPr>
-          <p:cNvPr id="3" name="Subtitle 2">
-            <a:extLst>
-              <a:ext uri="{FF2B5EF4-FFF2-40B4-BE49-F238E27FC236}">
-                <a16:creationId xmlns:a16="http://schemas.microsoft.com/office/drawing/2014/main" id="{9A927E25-F07F-BA2E-D793-0619FB6403C0}"/>
-              </a:ext>
-            </a:extLst>
-          </p:cNvPr>
-          <p:cNvSpPr>
-            <a:spLocks noGrp="1"/>
-          </p:cNvSpPr>
-          <p:nvPr>
-            <p:ph type="subTitle" idx="1"/>
-          </p:nvPr>
-        </p:nvSpPr>
-        <p:spPr>
-          <a:xfrm>
-            <a:off x="1524000" y="3602038"/>
-            <a:ext cx="9144000" cy="1655762"/>
-          </a:xfrm>
-        </p:spPr>
-        <p:txBody>
-          <a:bodyPr>
-            <a:normAutofit/>
-          </a:bodyPr>
-          <a:lstStyle/>
-          <a:p>
-            <a:r>
-              <a:rPr lang="en-US" sz="4000">
-                <a:solidFill>
-                  <a:schemeClr val="bg1"/>
-                </a:solidFill>
-              </a:rPr>
-              <a:t>template</a:t>
-            </a:r>
-          </a:p>
-        </p:txBody>
-      </p:sp>
-    </p:spTree>
-    <p:extLst>
-      <p:ext uri="{BB962C8B-B14F-4D97-AF65-F5344CB8AC3E}">
-        <p14:creationId xmlns:p14="http://schemas.microsoft.com/office/powerpoint/2010/main" val="875916887"/>
-      </p:ext>
-    </p:extLst>
-  </p:cSld>
-  <p:clrMapOvr>
-    <a:masterClrMapping/>
-  </p:clrMapOvr>
-</p:sld>
-</file>
-
-<file path=ppt/slides/slide18.xml><?xml version="1.0" encoding="utf-8"?>
-<p:sld xmlns:a="http://schemas.openxmlformats.org/drawingml/2006/main" xmlns:r="http://schemas.openxmlformats.org/officeDocument/2006/relationships" xmlns:p="http://schemas.openxmlformats.org/presentationml/2006/main" show="0">
-  <p:cSld>
-    <p:spTree>
-      <p:nvGrpSpPr>
-        <p:cNvPr id="1" name=""/>
-        <p:cNvGrpSpPr/>
-        <p:nvPr/>
-      </p:nvGrpSpPr>
-      <p:grpSpPr>
-        <a:xfrm>
-          <a:off x="0" y="0"/>
-          <a:ext cx="0" cy="0"/>
-          <a:chOff x="0" y="0"/>
-          <a:chExt cx="0" cy="0"/>
-        </a:xfrm>
-      </p:grpSpPr>
-      <p:sp>
-        <p:nvSpPr>
-          <p:cNvPr id="2" name="Title 1">
-            <a:extLst>
-              <a:ext uri="{FF2B5EF4-FFF2-40B4-BE49-F238E27FC236}">
-                <a16:creationId xmlns:a16="http://schemas.microsoft.com/office/drawing/2014/main" id="{96736D52-4961-EE7F-ED71-B447E3B8ABF5}"/>
-              </a:ext>
-            </a:extLst>
-          </p:cNvPr>
-          <p:cNvSpPr>
-            <a:spLocks noGrp="1"/>
-          </p:cNvSpPr>
-          <p:nvPr>
-            <p:ph type="title"/>
-          </p:nvPr>
-        </p:nvSpPr>
-        <p:spPr/>
-        <p:txBody>
-          <a:bodyPr/>
-          <a:lstStyle/>
-          <a:p>
-            <a:r>
-              <a:rPr lang="en-US" b="1">
-                <a:solidFill>
-                  <a:schemeClr val="bg1"/>
-                </a:solidFill>
-              </a:rPr>
-              <a:t>Title</a:t>
-            </a:r>
-            <a:r>
-              <a:rPr lang="fr-BE" b="1">
-                <a:solidFill>
-                  <a:schemeClr val="bg1"/>
-                </a:solidFill>
-              </a:rPr>
-              <a:t> slide - </a:t>
-            </a:r>
-            <a:r>
-              <a:rPr lang="fr-BE" b="1" err="1">
-                <a:solidFill>
-                  <a:schemeClr val="bg1"/>
-                </a:solidFill>
-              </a:rPr>
-              <a:t>template</a:t>
-            </a:r>
-            <a:endParaRPr lang="fr-BE" b="1">
-              <a:solidFill>
-                <a:schemeClr val="bg1"/>
-              </a:solidFill>
-            </a:endParaRPr>
-          </a:p>
-        </p:txBody>
-      </p:sp>
-      <p:sp>
-        <p:nvSpPr>
-          <p:cNvPr id="3" name="Content Placeholder 2">
-            <a:extLst>
-              <a:ext uri="{FF2B5EF4-FFF2-40B4-BE49-F238E27FC236}">
-                <a16:creationId xmlns:a16="http://schemas.microsoft.com/office/drawing/2014/main" id="{000CA789-C2CC-9958-35FB-5935AA7D71CE}"/>
-              </a:ext>
-            </a:extLst>
-          </p:cNvPr>
-          <p:cNvSpPr>
-            <a:spLocks noGrp="1"/>
-          </p:cNvSpPr>
-          <p:nvPr>
-            <p:ph idx="1"/>
-          </p:nvPr>
-        </p:nvSpPr>
-        <p:spPr>
-          <a:xfrm>
-            <a:off x="838200" y="1825625"/>
-            <a:ext cx="10515600" cy="4351439"/>
-          </a:xfrm>
-        </p:spPr>
-        <p:txBody>
-          <a:bodyPr>
-            <a:noAutofit/>
-          </a:bodyPr>
-          <a:lstStyle/>
-          <a:p>
-            <a:r>
-              <a:rPr lang="en-US">
-                <a:solidFill>
-                  <a:schemeClr val="bg1"/>
-                </a:solidFill>
-              </a:rPr>
-              <a:t>Text Here</a:t>
-            </a:r>
-          </a:p>
-          <a:p>
-            <a:r>
-              <a:rPr lang="en-US">
-                <a:solidFill>
-                  <a:schemeClr val="bg1"/>
-                </a:solidFill>
-              </a:rPr>
-              <a:t>Bullet point formatting</a:t>
-            </a:r>
-          </a:p>
-          <a:p>
-            <a:r>
-              <a:rPr lang="en-US">
-                <a:solidFill>
-                  <a:srgbClr val="FFC000"/>
-                </a:solidFill>
-              </a:rPr>
-              <a:t>Color </a:t>
-            </a:r>
-            <a:r>
-              <a:rPr lang="en-US" err="1">
-                <a:solidFill>
-                  <a:srgbClr val="FFC000"/>
-                </a:solidFill>
-              </a:rPr>
-              <a:t>wheeee</a:t>
-            </a:r>
-            <a:endParaRPr lang="en-US">
-              <a:solidFill>
-                <a:srgbClr val="FFC000"/>
-              </a:solidFill>
-            </a:endParaRPr>
-          </a:p>
-          <a:p>
-            <a:r>
-              <a:rPr lang="en-US">
-                <a:solidFill>
-                  <a:srgbClr val="00B0F0"/>
-                </a:solidFill>
-              </a:rPr>
-              <a:t>Other color </a:t>
-            </a:r>
-            <a:r>
-              <a:rPr lang="en-US" err="1">
-                <a:solidFill>
-                  <a:srgbClr val="00B0F0"/>
-                </a:solidFill>
-              </a:rPr>
-              <a:t>whooo</a:t>
-            </a:r>
-            <a:endParaRPr lang="en-US">
-              <a:solidFill>
-                <a:srgbClr val="00B0F0"/>
-              </a:solidFill>
-            </a:endParaRPr>
-          </a:p>
-          <a:p>
-            <a:endParaRPr lang="en-US">
-              <a:solidFill>
-                <a:srgbClr val="E6E6E6"/>
-              </a:solidFill>
-            </a:endParaRPr>
-          </a:p>
-          <a:p>
-            <a:endParaRPr lang="en-US">
-              <a:solidFill>
-                <a:schemeClr val="bg1"/>
-              </a:solidFill>
-            </a:endParaRPr>
-          </a:p>
-        </p:txBody>
-      </p:sp>
-    </p:spTree>
-    <p:extLst>
-      <p:ext uri="{BB962C8B-B14F-4D97-AF65-F5344CB8AC3E}">
-        <p14:creationId xmlns:p14="http://schemas.microsoft.com/office/powerpoint/2010/main" val="3858105733"/>
-      </p:ext>
-    </p:extLst>
-  </p:cSld>
-  <p:clrMapOvr>
-    <a:masterClrMapping/>
-  </p:clrMapOvr>
-</p:sld>
-</file>
-
 <file path=ppt/slides/slide2.xml><?xml version="1.0" encoding="utf-8"?>
 <p:sld xmlns:a="http://schemas.openxmlformats.org/drawingml/2006/main" xmlns:r="http://schemas.openxmlformats.org/officeDocument/2006/relationships" xmlns:p="http://schemas.openxmlformats.org/presentationml/2006/main">
   <p:cSld>
@@ -5873,6 +6092,910 @@
     <p:extLst>
       <p:ext uri="{BB962C8B-B14F-4D97-AF65-F5344CB8AC3E}">
         <p14:creationId xmlns:p14="http://schemas.microsoft.com/office/powerpoint/2010/main" val="103068440"/>
+      </p:ext>
+    </p:extLst>
+  </p:cSld>
+  <p:clrMapOvr>
+    <a:masterClrMapping/>
+  </p:clrMapOvr>
+</p:sld>
+</file>
+
+<file path=ppt/slides/slide20.xml><?xml version="1.0" encoding="utf-8"?>
+<p:sld xmlns:a="http://schemas.openxmlformats.org/drawingml/2006/main" xmlns:r="http://schemas.openxmlformats.org/officeDocument/2006/relationships" xmlns:p="http://schemas.openxmlformats.org/presentationml/2006/main">
+  <p:cSld>
+    <p:spTree>
+      <p:nvGrpSpPr>
+        <p:cNvPr id="1" name=""/>
+        <p:cNvGrpSpPr/>
+        <p:nvPr/>
+      </p:nvGrpSpPr>
+      <p:grpSpPr>
+        <a:xfrm>
+          <a:off x="0" y="0"/>
+          <a:ext cx="0" cy="0"/>
+          <a:chOff x="0" y="0"/>
+          <a:chExt cx="0" cy="0"/>
+        </a:xfrm>
+      </p:grpSpPr>
+      <p:sp>
+        <p:nvSpPr>
+          <p:cNvPr id="2" name="Title 1">
+            <a:extLst>
+              <a:ext uri="{FF2B5EF4-FFF2-40B4-BE49-F238E27FC236}">
+                <a16:creationId xmlns:a16="http://schemas.microsoft.com/office/drawing/2014/main" id="{9949F6FA-C09D-512E-73E6-A3D56F647299}"/>
+              </a:ext>
+            </a:extLst>
+          </p:cNvPr>
+          <p:cNvSpPr>
+            <a:spLocks noGrp="1"/>
+          </p:cNvSpPr>
+          <p:nvPr>
+            <p:ph type="ctrTitle"/>
+          </p:nvPr>
+        </p:nvSpPr>
+        <p:spPr>
+          <a:xfrm>
+            <a:off x="1524000" y="1122363"/>
+            <a:ext cx="9144000" cy="2387600"/>
+          </a:xfrm>
+        </p:spPr>
+        <p:txBody>
+          <a:bodyPr/>
+          <a:lstStyle/>
+          <a:p>
+            <a:r>
+              <a:rPr lang="en-US">
+                <a:solidFill>
+                  <a:schemeClr val="bg1"/>
+                </a:solidFill>
+                <a:latin typeface="Calibri" panose="020F0502020204030204" pitchFamily="34" charset="0"/>
+                <a:ea typeface="Calibri" panose="020F0502020204030204" pitchFamily="34" charset="0"/>
+                <a:cs typeface="Calibri" panose="020F0502020204030204" pitchFamily="34" charset="0"/>
+              </a:rPr>
+              <a:t>Pros &amp; Cons</a:t>
+            </a:r>
+          </a:p>
+        </p:txBody>
+      </p:sp>
+    </p:spTree>
+    <p:extLst>
+      <p:ext uri="{BB962C8B-B14F-4D97-AF65-F5344CB8AC3E}">
+        <p14:creationId xmlns:p14="http://schemas.microsoft.com/office/powerpoint/2010/main" val="390565957"/>
+      </p:ext>
+    </p:extLst>
+  </p:cSld>
+  <p:clrMapOvr>
+    <a:masterClrMapping/>
+  </p:clrMapOvr>
+</p:sld>
+</file>
+
+<file path=ppt/slides/slide21.xml><?xml version="1.0" encoding="utf-8"?>
+<p:sld xmlns:a="http://schemas.openxmlformats.org/drawingml/2006/main" xmlns:r="http://schemas.openxmlformats.org/officeDocument/2006/relationships" xmlns:p="http://schemas.openxmlformats.org/presentationml/2006/main">
+  <p:cSld>
+    <p:spTree>
+      <p:nvGrpSpPr>
+        <p:cNvPr id="1" name=""/>
+        <p:cNvGrpSpPr/>
+        <p:nvPr/>
+      </p:nvGrpSpPr>
+      <p:grpSpPr>
+        <a:xfrm>
+          <a:off x="0" y="0"/>
+          <a:ext cx="0" cy="0"/>
+          <a:chOff x="0" y="0"/>
+          <a:chExt cx="0" cy="0"/>
+        </a:xfrm>
+      </p:grpSpPr>
+      <p:sp>
+        <p:nvSpPr>
+          <p:cNvPr id="2" name="Title 1">
+            <a:extLst>
+              <a:ext uri="{FF2B5EF4-FFF2-40B4-BE49-F238E27FC236}">
+                <a16:creationId xmlns:a16="http://schemas.microsoft.com/office/drawing/2014/main" id="{96736D52-4961-EE7F-ED71-B447E3B8ABF5}"/>
+              </a:ext>
+            </a:extLst>
+          </p:cNvPr>
+          <p:cNvSpPr>
+            <a:spLocks noGrp="1"/>
+          </p:cNvSpPr>
+          <p:nvPr>
+            <p:ph type="title"/>
+          </p:nvPr>
+        </p:nvSpPr>
+        <p:spPr>
+          <a:xfrm>
+            <a:off x="838200" y="365125"/>
+            <a:ext cx="3893191" cy="1325563"/>
+          </a:xfrm>
+        </p:spPr>
+        <p:txBody>
+          <a:bodyPr/>
+          <a:lstStyle/>
+          <a:p>
+            <a:r>
+              <a:rPr lang="fr-BE" b="1">
+                <a:solidFill>
+                  <a:schemeClr val="bg1"/>
+                </a:solidFill>
+              </a:rPr>
+              <a:t>Pros</a:t>
+            </a:r>
+          </a:p>
+        </p:txBody>
+      </p:sp>
+      <p:sp>
+        <p:nvSpPr>
+          <p:cNvPr id="3" name="Content Placeholder 2">
+            <a:extLst>
+              <a:ext uri="{FF2B5EF4-FFF2-40B4-BE49-F238E27FC236}">
+                <a16:creationId xmlns:a16="http://schemas.microsoft.com/office/drawing/2014/main" id="{000CA789-C2CC-9958-35FB-5935AA7D71CE}"/>
+              </a:ext>
+            </a:extLst>
+          </p:cNvPr>
+          <p:cNvSpPr>
+            <a:spLocks noGrp="1"/>
+          </p:cNvSpPr>
+          <p:nvPr>
+            <p:ph idx="1"/>
+          </p:nvPr>
+        </p:nvSpPr>
+        <p:spPr>
+          <a:xfrm>
+            <a:off x="838200" y="1825625"/>
+            <a:ext cx="4052582" cy="4351439"/>
+          </a:xfrm>
+        </p:spPr>
+        <p:txBody>
+          <a:bodyPr>
+            <a:noAutofit/>
+          </a:bodyPr>
+          <a:lstStyle/>
+          <a:p>
+            <a:pPr>
+              <a:buFont typeface="Wingdings" panose="05000000000000000000" pitchFamily="2" charset="2"/>
+              <a:buChar char="ü"/>
+            </a:pPr>
+            <a:r>
+              <a:rPr lang="en-US">
+                <a:solidFill>
+                  <a:schemeClr val="accent6"/>
+                </a:solidFill>
+              </a:rPr>
+              <a:t>Text Here</a:t>
+            </a:r>
+          </a:p>
+          <a:p>
+            <a:pPr>
+              <a:buFont typeface="Wingdings" panose="05000000000000000000" pitchFamily="2" charset="2"/>
+              <a:buChar char="ü"/>
+            </a:pPr>
+            <a:r>
+              <a:rPr lang="en-US">
+                <a:solidFill>
+                  <a:schemeClr val="accent6"/>
+                </a:solidFill>
+              </a:rPr>
+              <a:t>Bullet point formatting</a:t>
+            </a:r>
+          </a:p>
+          <a:p>
+            <a:endParaRPr lang="en-US">
+              <a:solidFill>
+                <a:srgbClr val="E6E6E6"/>
+              </a:solidFill>
+            </a:endParaRPr>
+          </a:p>
+          <a:p>
+            <a:endParaRPr lang="en-US">
+              <a:solidFill>
+                <a:schemeClr val="bg1"/>
+              </a:solidFill>
+            </a:endParaRPr>
+          </a:p>
+        </p:txBody>
+      </p:sp>
+      <p:sp>
+        <p:nvSpPr>
+          <p:cNvPr id="4" name="Title 1">
+            <a:extLst>
+              <a:ext uri="{FF2B5EF4-FFF2-40B4-BE49-F238E27FC236}">
+                <a16:creationId xmlns:a16="http://schemas.microsoft.com/office/drawing/2014/main" id="{CAB91401-13BA-174A-DF10-6ABA44AF76EA}"/>
+              </a:ext>
+            </a:extLst>
+          </p:cNvPr>
+          <p:cNvSpPr txBox="1">
+            <a:spLocks/>
+          </p:cNvSpPr>
+          <p:nvPr/>
+        </p:nvSpPr>
+        <p:spPr>
+          <a:xfrm>
+            <a:off x="7460611" y="432593"/>
+            <a:ext cx="3893191" cy="1325563"/>
+          </a:xfrm>
+          <a:prstGeom prst="rect">
+            <a:avLst/>
+          </a:prstGeom>
+        </p:spPr>
+        <p:txBody>
+          <a:bodyPr vert="horz" lIns="91440" tIns="45720" rIns="91440" bIns="45720" rtlCol="0" anchor="ctr">
+            <a:normAutofit/>
+          </a:bodyPr>
+          <a:lstStyle>
+            <a:lvl1pPr algn="l" defTabSz="914400" rtl="0" eaLnBrk="1" latinLnBrk="0" hangingPunct="1">
+              <a:lnSpc>
+                <a:spcPct val="90000"/>
+              </a:lnSpc>
+              <a:spcBef>
+                <a:spcPct val="0"/>
+              </a:spcBef>
+              <a:buNone/>
+              <a:defRPr sz="4400" kern="1200">
+                <a:solidFill>
+                  <a:schemeClr val="tx1"/>
+                </a:solidFill>
+                <a:latin typeface="+mj-lt"/>
+                <a:ea typeface="+mj-ea"/>
+                <a:cs typeface="+mj-cs"/>
+              </a:defRPr>
+            </a:lvl1pPr>
+          </a:lstStyle>
+          <a:p>
+            <a:pPr algn="r"/>
+            <a:r>
+              <a:rPr lang="fr-BE" b="1">
+                <a:solidFill>
+                  <a:schemeClr val="bg1"/>
+                </a:solidFill>
+              </a:rPr>
+              <a:t>Cons</a:t>
+            </a:r>
+          </a:p>
+        </p:txBody>
+      </p:sp>
+      <p:sp>
+        <p:nvSpPr>
+          <p:cNvPr id="5" name="Content Placeholder 2">
+            <a:extLst>
+              <a:ext uri="{FF2B5EF4-FFF2-40B4-BE49-F238E27FC236}">
+                <a16:creationId xmlns:a16="http://schemas.microsoft.com/office/drawing/2014/main" id="{9D010D99-FE96-794B-831A-45A25803B65F}"/>
+              </a:ext>
+            </a:extLst>
+          </p:cNvPr>
+          <p:cNvSpPr txBox="1">
+            <a:spLocks/>
+          </p:cNvSpPr>
+          <p:nvPr/>
+        </p:nvSpPr>
+        <p:spPr>
+          <a:xfrm>
+            <a:off x="7301220" y="1825624"/>
+            <a:ext cx="4052582" cy="4351439"/>
+          </a:xfrm>
+          <a:prstGeom prst="rect">
+            <a:avLst/>
+          </a:prstGeom>
+        </p:spPr>
+        <p:txBody>
+          <a:bodyPr vert="horz" lIns="91440" tIns="45720" rIns="91440" bIns="45720" rtlCol="0">
+            <a:noAutofit/>
+          </a:bodyPr>
+          <a:lstStyle>
+            <a:lvl1pPr marL="228600" indent="-228600" algn="l" defTabSz="914400" rtl="0" eaLnBrk="1" latinLnBrk="0" hangingPunct="1">
+              <a:lnSpc>
+                <a:spcPct val="90000"/>
+              </a:lnSpc>
+              <a:spcBef>
+                <a:spcPts val="1000"/>
+              </a:spcBef>
+              <a:buFont typeface="Arial" panose="020B0604020202020204" pitchFamily="34" charset="0"/>
+              <a:buChar char="•"/>
+              <a:defRPr sz="2800" kern="1200">
+                <a:solidFill>
+                  <a:schemeClr val="tx1"/>
+                </a:solidFill>
+                <a:latin typeface="+mn-lt"/>
+                <a:ea typeface="+mn-ea"/>
+                <a:cs typeface="+mn-cs"/>
+              </a:defRPr>
+            </a:lvl1pPr>
+            <a:lvl2pPr marL="685800" indent="-228600" algn="l" defTabSz="914400" rtl="0" eaLnBrk="1" latinLnBrk="0" hangingPunct="1">
+              <a:lnSpc>
+                <a:spcPct val="90000"/>
+              </a:lnSpc>
+              <a:spcBef>
+                <a:spcPts val="500"/>
+              </a:spcBef>
+              <a:buFont typeface="Arial" panose="020B0604020202020204" pitchFamily="34" charset="0"/>
+              <a:buChar char="•"/>
+              <a:defRPr sz="2400" kern="1200">
+                <a:solidFill>
+                  <a:schemeClr val="tx1"/>
+                </a:solidFill>
+                <a:latin typeface="+mn-lt"/>
+                <a:ea typeface="+mn-ea"/>
+                <a:cs typeface="+mn-cs"/>
+              </a:defRPr>
+            </a:lvl2pPr>
+            <a:lvl3pPr marL="1143000" indent="-228600" algn="l" defTabSz="914400" rtl="0" eaLnBrk="1" latinLnBrk="0" hangingPunct="1">
+              <a:lnSpc>
+                <a:spcPct val="90000"/>
+              </a:lnSpc>
+              <a:spcBef>
+                <a:spcPts val="500"/>
+              </a:spcBef>
+              <a:buFont typeface="Arial" panose="020B0604020202020204" pitchFamily="34" charset="0"/>
+              <a:buChar char="•"/>
+              <a:defRPr sz="2000" kern="1200">
+                <a:solidFill>
+                  <a:schemeClr val="tx1"/>
+                </a:solidFill>
+                <a:latin typeface="+mn-lt"/>
+                <a:ea typeface="+mn-ea"/>
+                <a:cs typeface="+mn-cs"/>
+              </a:defRPr>
+            </a:lvl3pPr>
+            <a:lvl4pPr marL="1600200" indent="-228600" algn="l" defTabSz="914400" rtl="0" eaLnBrk="1" latinLnBrk="0" hangingPunct="1">
+              <a:lnSpc>
+                <a:spcPct val="90000"/>
+              </a:lnSpc>
+              <a:spcBef>
+                <a:spcPts val="500"/>
+              </a:spcBef>
+              <a:buFont typeface="Arial" panose="020B0604020202020204" pitchFamily="34" charset="0"/>
+              <a:buChar char="•"/>
+              <a:defRPr sz="1800" kern="1200">
+                <a:solidFill>
+                  <a:schemeClr val="tx1"/>
+                </a:solidFill>
+                <a:latin typeface="+mn-lt"/>
+                <a:ea typeface="+mn-ea"/>
+                <a:cs typeface="+mn-cs"/>
+              </a:defRPr>
+            </a:lvl4pPr>
+            <a:lvl5pPr marL="2057400" indent="-228600" algn="l" defTabSz="914400" rtl="0" eaLnBrk="1" latinLnBrk="0" hangingPunct="1">
+              <a:lnSpc>
+                <a:spcPct val="90000"/>
+              </a:lnSpc>
+              <a:spcBef>
+                <a:spcPts val="500"/>
+              </a:spcBef>
+              <a:buFont typeface="Arial" panose="020B0604020202020204" pitchFamily="34" charset="0"/>
+              <a:buChar char="•"/>
+              <a:defRPr sz="1800" kern="1200">
+                <a:solidFill>
+                  <a:schemeClr val="tx1"/>
+                </a:solidFill>
+                <a:latin typeface="+mn-lt"/>
+                <a:ea typeface="+mn-ea"/>
+                <a:cs typeface="+mn-cs"/>
+              </a:defRPr>
+            </a:lvl5pPr>
+            <a:lvl6pPr marL="2514600" indent="-228600" algn="l" defTabSz="914400" rtl="0" eaLnBrk="1" latinLnBrk="0" hangingPunct="1">
+              <a:lnSpc>
+                <a:spcPct val="90000"/>
+              </a:lnSpc>
+              <a:spcBef>
+                <a:spcPts val="500"/>
+              </a:spcBef>
+              <a:buFont typeface="Arial" panose="020B0604020202020204" pitchFamily="34" charset="0"/>
+              <a:buChar char="•"/>
+              <a:defRPr sz="1800" kern="1200">
+                <a:solidFill>
+                  <a:schemeClr val="tx1"/>
+                </a:solidFill>
+                <a:latin typeface="+mn-lt"/>
+                <a:ea typeface="+mn-ea"/>
+                <a:cs typeface="+mn-cs"/>
+              </a:defRPr>
+            </a:lvl6pPr>
+            <a:lvl7pPr marL="2971800" indent="-228600" algn="l" defTabSz="914400" rtl="0" eaLnBrk="1" latinLnBrk="0" hangingPunct="1">
+              <a:lnSpc>
+                <a:spcPct val="90000"/>
+              </a:lnSpc>
+              <a:spcBef>
+                <a:spcPts val="500"/>
+              </a:spcBef>
+              <a:buFont typeface="Arial" panose="020B0604020202020204" pitchFamily="34" charset="0"/>
+              <a:buChar char="•"/>
+              <a:defRPr sz="1800" kern="1200">
+                <a:solidFill>
+                  <a:schemeClr val="tx1"/>
+                </a:solidFill>
+                <a:latin typeface="+mn-lt"/>
+                <a:ea typeface="+mn-ea"/>
+                <a:cs typeface="+mn-cs"/>
+              </a:defRPr>
+            </a:lvl7pPr>
+            <a:lvl8pPr marL="3429000" indent="-228600" algn="l" defTabSz="914400" rtl="0" eaLnBrk="1" latinLnBrk="0" hangingPunct="1">
+              <a:lnSpc>
+                <a:spcPct val="90000"/>
+              </a:lnSpc>
+              <a:spcBef>
+                <a:spcPts val="500"/>
+              </a:spcBef>
+              <a:buFont typeface="Arial" panose="020B0604020202020204" pitchFamily="34" charset="0"/>
+              <a:buChar char="•"/>
+              <a:defRPr sz="1800" kern="1200">
+                <a:solidFill>
+                  <a:schemeClr val="tx1"/>
+                </a:solidFill>
+                <a:latin typeface="+mn-lt"/>
+                <a:ea typeface="+mn-ea"/>
+                <a:cs typeface="+mn-cs"/>
+              </a:defRPr>
+            </a:lvl8pPr>
+            <a:lvl9pPr marL="3886200" indent="-228600" algn="l" defTabSz="914400" rtl="0" eaLnBrk="1" latinLnBrk="0" hangingPunct="1">
+              <a:lnSpc>
+                <a:spcPct val="90000"/>
+              </a:lnSpc>
+              <a:spcBef>
+                <a:spcPts val="500"/>
+              </a:spcBef>
+              <a:buFont typeface="Arial" panose="020B0604020202020204" pitchFamily="34" charset="0"/>
+              <a:buChar char="•"/>
+              <a:defRPr sz="1800" kern="1200">
+                <a:solidFill>
+                  <a:schemeClr val="tx1"/>
+                </a:solidFill>
+                <a:latin typeface="+mn-lt"/>
+                <a:ea typeface="+mn-ea"/>
+                <a:cs typeface="+mn-cs"/>
+              </a:defRPr>
+            </a:lvl9pPr>
+          </a:lstStyle>
+          <a:p>
+            <a:r>
+              <a:rPr lang="en-US">
+                <a:solidFill>
+                  <a:srgbClr val="FF0000"/>
+                </a:solidFill>
+              </a:rPr>
+              <a:t>Text Here</a:t>
+            </a:r>
+          </a:p>
+          <a:p>
+            <a:r>
+              <a:rPr lang="en-US">
+                <a:solidFill>
+                  <a:srgbClr val="FF0000"/>
+                </a:solidFill>
+              </a:rPr>
+              <a:t>Bullet point formatting</a:t>
+            </a:r>
+          </a:p>
+          <a:p>
+            <a:endParaRPr lang="en-US">
+              <a:solidFill>
+                <a:srgbClr val="FF0000"/>
+              </a:solidFill>
+            </a:endParaRPr>
+          </a:p>
+          <a:p>
+            <a:endParaRPr lang="en-US">
+              <a:solidFill>
+                <a:srgbClr val="FF0000"/>
+              </a:solidFill>
+            </a:endParaRPr>
+          </a:p>
+        </p:txBody>
+      </p:sp>
+    </p:spTree>
+    <p:extLst>
+      <p:ext uri="{BB962C8B-B14F-4D97-AF65-F5344CB8AC3E}">
+        <p14:creationId xmlns:p14="http://schemas.microsoft.com/office/powerpoint/2010/main" val="3886253825"/>
+      </p:ext>
+    </p:extLst>
+  </p:cSld>
+  <p:clrMapOvr>
+    <a:masterClrMapping/>
+  </p:clrMapOvr>
+</p:sld>
+</file>
+
+<file path=ppt/slides/slide22.xml><?xml version="1.0" encoding="utf-8"?>
+<p:sld xmlns:a="http://schemas.openxmlformats.org/drawingml/2006/main" xmlns:r="http://schemas.openxmlformats.org/officeDocument/2006/relationships" xmlns:p="http://schemas.openxmlformats.org/presentationml/2006/main">
+  <p:cSld>
+    <p:spTree>
+      <p:nvGrpSpPr>
+        <p:cNvPr id="1" name=""/>
+        <p:cNvGrpSpPr/>
+        <p:nvPr/>
+      </p:nvGrpSpPr>
+      <p:grpSpPr>
+        <a:xfrm>
+          <a:off x="0" y="0"/>
+          <a:ext cx="0" cy="0"/>
+          <a:chOff x="0" y="0"/>
+          <a:chExt cx="0" cy="0"/>
+        </a:xfrm>
+      </p:grpSpPr>
+      <p:sp>
+        <p:nvSpPr>
+          <p:cNvPr id="2" name="Title 1">
+            <a:extLst>
+              <a:ext uri="{FF2B5EF4-FFF2-40B4-BE49-F238E27FC236}">
+                <a16:creationId xmlns:a16="http://schemas.microsoft.com/office/drawing/2014/main" id="{9949F6FA-C09D-512E-73E6-A3D56F647299}"/>
+              </a:ext>
+            </a:extLst>
+          </p:cNvPr>
+          <p:cNvSpPr>
+            <a:spLocks noGrp="1"/>
+          </p:cNvSpPr>
+          <p:nvPr>
+            <p:ph type="ctrTitle"/>
+          </p:nvPr>
+        </p:nvSpPr>
+        <p:spPr>
+          <a:xfrm>
+            <a:off x="1524000" y="1122363"/>
+            <a:ext cx="9144000" cy="2387600"/>
+          </a:xfrm>
+        </p:spPr>
+        <p:txBody>
+          <a:bodyPr/>
+          <a:lstStyle/>
+          <a:p>
+            <a:r>
+              <a:rPr lang="en-US">
+                <a:solidFill>
+                  <a:schemeClr val="bg1"/>
+                </a:solidFill>
+                <a:latin typeface="Calibri" panose="020F0502020204030204" pitchFamily="34" charset="0"/>
+                <a:ea typeface="Calibri" panose="020F0502020204030204" pitchFamily="34" charset="0"/>
+                <a:cs typeface="Calibri" panose="020F0502020204030204" pitchFamily="34" charset="0"/>
+              </a:rPr>
+              <a:t>Thank you!</a:t>
+            </a:r>
+          </a:p>
+        </p:txBody>
+      </p:sp>
+      <p:sp>
+        <p:nvSpPr>
+          <p:cNvPr id="3" name="Subtitle 2">
+            <a:extLst>
+              <a:ext uri="{FF2B5EF4-FFF2-40B4-BE49-F238E27FC236}">
+                <a16:creationId xmlns:a16="http://schemas.microsoft.com/office/drawing/2014/main" id="{9A927E25-F07F-BA2E-D793-0619FB6403C0}"/>
+              </a:ext>
+            </a:extLst>
+          </p:cNvPr>
+          <p:cNvSpPr>
+            <a:spLocks noGrp="1"/>
+          </p:cNvSpPr>
+          <p:nvPr>
+            <p:ph type="subTitle" idx="1"/>
+          </p:nvPr>
+        </p:nvSpPr>
+        <p:spPr>
+          <a:xfrm>
+            <a:off x="1524000" y="3602038"/>
+            <a:ext cx="9144000" cy="1655762"/>
+          </a:xfrm>
+        </p:spPr>
+        <p:txBody>
+          <a:bodyPr>
+            <a:normAutofit/>
+          </a:bodyPr>
+          <a:lstStyle/>
+          <a:p>
+            <a:r>
+              <a:rPr lang="en-US" sz="4000">
+                <a:solidFill>
+                  <a:schemeClr val="bg1"/>
+                </a:solidFill>
+              </a:rPr>
+              <a:t>Any question?</a:t>
+            </a:r>
+          </a:p>
+        </p:txBody>
+      </p:sp>
+    </p:spTree>
+    <p:extLst>
+      <p:ext uri="{BB962C8B-B14F-4D97-AF65-F5344CB8AC3E}">
+        <p14:creationId xmlns:p14="http://schemas.microsoft.com/office/powerpoint/2010/main" val="3467780949"/>
+      </p:ext>
+    </p:extLst>
+  </p:cSld>
+  <p:clrMapOvr>
+    <a:masterClrMapping/>
+  </p:clrMapOvr>
+</p:sld>
+</file>
+
+<file path=ppt/slides/slide23.xml><?xml version="1.0" encoding="utf-8"?>
+<p:sld xmlns:a="http://schemas.openxmlformats.org/drawingml/2006/main" xmlns:r="http://schemas.openxmlformats.org/officeDocument/2006/relationships" xmlns:p="http://schemas.openxmlformats.org/presentationml/2006/main" show="0">
+  <p:cSld>
+    <p:spTree>
+      <p:nvGrpSpPr>
+        <p:cNvPr id="1" name=""/>
+        <p:cNvGrpSpPr/>
+        <p:nvPr/>
+      </p:nvGrpSpPr>
+      <p:grpSpPr>
+        <a:xfrm>
+          <a:off x="0" y="0"/>
+          <a:ext cx="0" cy="0"/>
+          <a:chOff x="0" y="0"/>
+          <a:chExt cx="0" cy="0"/>
+        </a:xfrm>
+      </p:grpSpPr>
+      <p:sp>
+        <p:nvSpPr>
+          <p:cNvPr id="2" name="Title 1">
+            <a:extLst>
+              <a:ext uri="{FF2B5EF4-FFF2-40B4-BE49-F238E27FC236}">
+                <a16:creationId xmlns:a16="http://schemas.microsoft.com/office/drawing/2014/main" id="{9949F6FA-C09D-512E-73E6-A3D56F647299}"/>
+              </a:ext>
+            </a:extLst>
+          </p:cNvPr>
+          <p:cNvSpPr>
+            <a:spLocks noGrp="1"/>
+          </p:cNvSpPr>
+          <p:nvPr>
+            <p:ph type="ctrTitle"/>
+          </p:nvPr>
+        </p:nvSpPr>
+        <p:spPr>
+          <a:xfrm>
+            <a:off x="1524000" y="1122363"/>
+            <a:ext cx="9144000" cy="2387600"/>
+          </a:xfrm>
+        </p:spPr>
+        <p:txBody>
+          <a:bodyPr/>
+          <a:lstStyle/>
+          <a:p>
+            <a:r>
+              <a:rPr lang="en-US">
+                <a:solidFill>
+                  <a:schemeClr val="bg1"/>
+                </a:solidFill>
+                <a:latin typeface="Calibri" panose="020F0502020204030204" pitchFamily="34" charset="0"/>
+                <a:ea typeface="Calibri" panose="020F0502020204030204" pitchFamily="34" charset="0"/>
+                <a:cs typeface="Calibri" panose="020F0502020204030204" pitchFamily="34" charset="0"/>
+              </a:rPr>
+              <a:t>Title slide</a:t>
+            </a:r>
+          </a:p>
+        </p:txBody>
+      </p:sp>
+      <p:sp>
+        <p:nvSpPr>
+          <p:cNvPr id="3" name="Subtitle 2">
+            <a:extLst>
+              <a:ext uri="{FF2B5EF4-FFF2-40B4-BE49-F238E27FC236}">
+                <a16:creationId xmlns:a16="http://schemas.microsoft.com/office/drawing/2014/main" id="{9A927E25-F07F-BA2E-D793-0619FB6403C0}"/>
+              </a:ext>
+            </a:extLst>
+          </p:cNvPr>
+          <p:cNvSpPr>
+            <a:spLocks noGrp="1"/>
+          </p:cNvSpPr>
+          <p:nvPr>
+            <p:ph type="subTitle" idx="1"/>
+          </p:nvPr>
+        </p:nvSpPr>
+        <p:spPr>
+          <a:xfrm>
+            <a:off x="1524000" y="3602038"/>
+            <a:ext cx="9144000" cy="1655762"/>
+          </a:xfrm>
+        </p:spPr>
+        <p:txBody>
+          <a:bodyPr>
+            <a:normAutofit/>
+          </a:bodyPr>
+          <a:lstStyle/>
+          <a:p>
+            <a:r>
+              <a:rPr lang="en-US" sz="4000">
+                <a:solidFill>
+                  <a:schemeClr val="bg1"/>
+                </a:solidFill>
+              </a:rPr>
+              <a:t>template</a:t>
+            </a:r>
+          </a:p>
+        </p:txBody>
+      </p:sp>
+    </p:spTree>
+    <p:extLst>
+      <p:ext uri="{BB962C8B-B14F-4D97-AF65-F5344CB8AC3E}">
+        <p14:creationId xmlns:p14="http://schemas.microsoft.com/office/powerpoint/2010/main" val="875916887"/>
+      </p:ext>
+    </p:extLst>
+  </p:cSld>
+  <p:clrMapOvr>
+    <a:masterClrMapping/>
+  </p:clrMapOvr>
+</p:sld>
+</file>
+
+<file path=ppt/slides/slide24.xml><?xml version="1.0" encoding="utf-8"?>
+<p:sld xmlns:a="http://schemas.openxmlformats.org/drawingml/2006/main" xmlns:r="http://schemas.openxmlformats.org/officeDocument/2006/relationships" xmlns:p="http://schemas.openxmlformats.org/presentationml/2006/main" show="0">
+  <p:cSld>
+    <p:spTree>
+      <p:nvGrpSpPr>
+        <p:cNvPr id="1" name=""/>
+        <p:cNvGrpSpPr/>
+        <p:nvPr/>
+      </p:nvGrpSpPr>
+      <p:grpSpPr>
+        <a:xfrm>
+          <a:off x="0" y="0"/>
+          <a:ext cx="0" cy="0"/>
+          <a:chOff x="0" y="0"/>
+          <a:chExt cx="0" cy="0"/>
+        </a:xfrm>
+      </p:grpSpPr>
+      <p:sp>
+        <p:nvSpPr>
+          <p:cNvPr id="2" name="Title 1">
+            <a:extLst>
+              <a:ext uri="{FF2B5EF4-FFF2-40B4-BE49-F238E27FC236}">
+                <a16:creationId xmlns:a16="http://schemas.microsoft.com/office/drawing/2014/main" id="{96736D52-4961-EE7F-ED71-B447E3B8ABF5}"/>
+              </a:ext>
+            </a:extLst>
+          </p:cNvPr>
+          <p:cNvSpPr>
+            <a:spLocks noGrp="1"/>
+          </p:cNvSpPr>
+          <p:nvPr>
+            <p:ph type="title"/>
+          </p:nvPr>
+        </p:nvSpPr>
+        <p:spPr/>
+        <p:txBody>
+          <a:bodyPr/>
+          <a:lstStyle/>
+          <a:p>
+            <a:r>
+              <a:rPr lang="en-US" b="1">
+                <a:solidFill>
+                  <a:schemeClr val="bg1"/>
+                </a:solidFill>
+              </a:rPr>
+              <a:t>Title</a:t>
+            </a:r>
+            <a:r>
+              <a:rPr lang="fr-BE" b="1">
+                <a:solidFill>
+                  <a:schemeClr val="bg1"/>
+                </a:solidFill>
+              </a:rPr>
+              <a:t> slide - </a:t>
+            </a:r>
+            <a:r>
+              <a:rPr lang="fr-BE" b="1" err="1">
+                <a:solidFill>
+                  <a:schemeClr val="bg1"/>
+                </a:solidFill>
+              </a:rPr>
+              <a:t>template</a:t>
+            </a:r>
+            <a:endParaRPr lang="fr-BE" b="1">
+              <a:solidFill>
+                <a:schemeClr val="bg1"/>
+              </a:solidFill>
+            </a:endParaRPr>
+          </a:p>
+        </p:txBody>
+      </p:sp>
+      <p:sp>
+        <p:nvSpPr>
+          <p:cNvPr id="3" name="Content Placeholder 2">
+            <a:extLst>
+              <a:ext uri="{FF2B5EF4-FFF2-40B4-BE49-F238E27FC236}">
+                <a16:creationId xmlns:a16="http://schemas.microsoft.com/office/drawing/2014/main" id="{000CA789-C2CC-9958-35FB-5935AA7D71CE}"/>
+              </a:ext>
+            </a:extLst>
+          </p:cNvPr>
+          <p:cNvSpPr>
+            <a:spLocks noGrp="1"/>
+          </p:cNvSpPr>
+          <p:nvPr>
+            <p:ph idx="1"/>
+          </p:nvPr>
+        </p:nvSpPr>
+        <p:spPr>
+          <a:xfrm>
+            <a:off x="838200" y="1825625"/>
+            <a:ext cx="10515600" cy="4351439"/>
+          </a:xfrm>
+        </p:spPr>
+        <p:txBody>
+          <a:bodyPr>
+            <a:noAutofit/>
+          </a:bodyPr>
+          <a:lstStyle/>
+          <a:p>
+            <a:r>
+              <a:rPr lang="en-US">
+                <a:solidFill>
+                  <a:schemeClr val="bg1"/>
+                </a:solidFill>
+              </a:rPr>
+              <a:t>Text Here</a:t>
+            </a:r>
+          </a:p>
+          <a:p>
+            <a:r>
+              <a:rPr lang="en-US">
+                <a:solidFill>
+                  <a:schemeClr val="bg1"/>
+                </a:solidFill>
+              </a:rPr>
+              <a:t>Bullet point formatting</a:t>
+            </a:r>
+          </a:p>
+          <a:p>
+            <a:r>
+              <a:rPr lang="en-US">
+                <a:solidFill>
+                  <a:srgbClr val="FFC000"/>
+                </a:solidFill>
+              </a:rPr>
+              <a:t>Color </a:t>
+            </a:r>
+            <a:r>
+              <a:rPr lang="en-US" err="1">
+                <a:solidFill>
+                  <a:srgbClr val="FFC000"/>
+                </a:solidFill>
+              </a:rPr>
+              <a:t>wheeee</a:t>
+            </a:r>
+            <a:endParaRPr lang="en-US">
+              <a:solidFill>
+                <a:srgbClr val="FFC000"/>
+              </a:solidFill>
+            </a:endParaRPr>
+          </a:p>
+          <a:p>
+            <a:r>
+              <a:rPr lang="en-US">
+                <a:solidFill>
+                  <a:srgbClr val="00B0F0"/>
+                </a:solidFill>
+              </a:rPr>
+              <a:t>Other color </a:t>
+            </a:r>
+            <a:r>
+              <a:rPr lang="en-US" err="1">
+                <a:solidFill>
+                  <a:srgbClr val="00B0F0"/>
+                </a:solidFill>
+              </a:rPr>
+              <a:t>whooo</a:t>
+            </a:r>
+            <a:endParaRPr lang="en-US">
+              <a:solidFill>
+                <a:srgbClr val="00B0F0"/>
+              </a:solidFill>
+            </a:endParaRPr>
+          </a:p>
+          <a:p>
+            <a:endParaRPr lang="en-US">
+              <a:solidFill>
+                <a:srgbClr val="E6E6E6"/>
+              </a:solidFill>
+            </a:endParaRPr>
+          </a:p>
+          <a:p>
+            <a:endParaRPr lang="en-US">
+              <a:solidFill>
+                <a:schemeClr val="bg1"/>
+              </a:solidFill>
+            </a:endParaRPr>
+          </a:p>
+        </p:txBody>
+      </p:sp>
+    </p:spTree>
+    <p:extLst>
+      <p:ext uri="{BB962C8B-B14F-4D97-AF65-F5344CB8AC3E}">
+        <p14:creationId xmlns:p14="http://schemas.microsoft.com/office/powerpoint/2010/main" val="3858105733"/>
       </p:ext>
     </p:extLst>
   </p:cSld>
@@ -6673,55 +7796,7 @@
                   <a:schemeClr val="bg1"/>
                 </a:solidFill>
               </a:rPr>
-              <a:t>State </a:t>
-            </a:r>
-            <a:r>
-              <a:rPr lang="fr-BE" b="1" err="1">
-                <a:solidFill>
-                  <a:schemeClr val="bg1"/>
-                </a:solidFill>
-              </a:rPr>
-              <a:t>definition</a:t>
-            </a:r>
-            <a:r>
-              <a:rPr lang="fr-BE" b="1">
-                <a:solidFill>
-                  <a:schemeClr val="bg1"/>
-                </a:solidFill>
-              </a:rPr>
-              <a:t> </a:t>
-            </a:r>
-            <a:r>
-              <a:rPr lang="fr-BE" b="1" err="1">
-                <a:solidFill>
-                  <a:schemeClr val="bg1"/>
-                </a:solidFill>
-              </a:rPr>
-              <a:t>goes</a:t>
-            </a:r>
-            <a:r>
-              <a:rPr lang="fr-BE" b="1">
-                <a:solidFill>
-                  <a:schemeClr val="bg1"/>
-                </a:solidFill>
-              </a:rPr>
-              <a:t> </a:t>
-            </a:r>
-            <a:r>
-              <a:rPr lang="fr-BE" b="1" err="1">
-                <a:solidFill>
-                  <a:schemeClr val="bg1"/>
-                </a:solidFill>
-              </a:rPr>
-              <a:t>here</a:t>
-            </a:r>
-            <a:r>
-              <a:rPr lang="fr-BE" b="1">
-                <a:solidFill>
-                  <a:schemeClr val="bg1"/>
-                </a:solidFill>
-              </a:rPr>
-              <a:t> ?</a:t>
+              <a:t>What is a State design pattern ?</a:t>
             </a:r>
           </a:p>
         </p:txBody>
@@ -6760,66 +7835,45 @@
                   <a:schemeClr val="bg1"/>
                 </a:solidFill>
               </a:rPr>
-              <a:t>Text Here</a:t>
-            </a:r>
-          </a:p>
-          <a:p>
+              <a:t>Object with its own state</a:t>
+            </a:r>
+          </a:p>
+          <a:p>
+            <a:pPr lvl="1"/>
             <a:r>
               <a:rPr lang="en-US">
                 <a:solidFill>
                   <a:schemeClr val="bg1"/>
                 </a:solidFill>
               </a:rPr>
-              <a:t>Bullet point formatting</a:t>
-            </a:r>
-          </a:p>
-          <a:p>
+              <a:t>which have different behaviors </a:t>
+            </a:r>
+          </a:p>
+          <a:p>
+            <a:pPr marL="457200" lvl="1" indent="0">
+              <a:buNone/>
+            </a:pPr>
+            <a:r>
+              <a:rPr lang="en-US" b="1">
+                <a:solidFill>
+                  <a:schemeClr val="bg1"/>
+                </a:solidFill>
+              </a:rPr>
+              <a:t>	depending</a:t>
+            </a:r>
             <a:r>
               <a:rPr lang="en-US">
                 <a:solidFill>
-                  <a:srgbClr val="FFC000"/>
-                </a:solidFill>
-              </a:rPr>
-              <a:t>Color </a:t>
-            </a:r>
-            <a:r>
-              <a:rPr lang="en-US" err="1">
-                <a:solidFill>
-                  <a:srgbClr val="FFC000"/>
-                </a:solidFill>
-              </a:rPr>
-              <a:t>wheeee</a:t>
-            </a:r>
-            <a:endParaRPr lang="en-US">
-              <a:solidFill>
-                <a:srgbClr val="FFC000"/>
-              </a:solidFill>
-            </a:endParaRPr>
-          </a:p>
-          <a:p>
-            <a:r>
-              <a:rPr lang="en-US">
-                <a:solidFill>
-                  <a:srgbClr val="00B0F0"/>
-                </a:solidFill>
-              </a:rPr>
-              <a:t>Other color </a:t>
-            </a:r>
-            <a:r>
-              <a:rPr lang="en-US" err="1">
-                <a:solidFill>
-                  <a:srgbClr val="00B0F0"/>
-                </a:solidFill>
-              </a:rPr>
-              <a:t>whooo</a:t>
-            </a:r>
-            <a:endParaRPr lang="en-US">
-              <a:solidFill>
-                <a:srgbClr val="00B0F0"/>
-              </a:solidFill>
-            </a:endParaRPr>
-          </a:p>
-          <a:p>
+                  <a:schemeClr val="bg1"/>
+                </a:solidFill>
+              </a:rPr>
+              <a:t> on its state</a:t>
+            </a:r>
+          </a:p>
+          <a:p>
+            <a:pPr marL="0" indent="0">
+              <a:buNone/>
+            </a:pPr>
             <a:endParaRPr lang="en-US">
               <a:solidFill>
                 <a:srgbClr val="E6E6E6"/>
@@ -6835,6 +7889,36 @@
           </a:p>
         </p:txBody>
       </p:sp>
+      <p:pic>
+        <p:nvPicPr>
+          <p:cNvPr id="5" name="Picture 3">
+            <a:extLst>
+              <a:ext uri="{FF2B5EF4-FFF2-40B4-BE49-F238E27FC236}">
+                <a16:creationId xmlns:a16="http://schemas.microsoft.com/office/drawing/2014/main" id="{FFC65D16-5F12-2CCB-C2B5-340B8AF54B59}"/>
+              </a:ext>
+            </a:extLst>
+          </p:cNvPr>
+          <p:cNvPicPr>
+            <a:picLocks noChangeAspect="1"/>
+          </p:cNvPicPr>
+          <p:nvPr/>
+        </p:nvPicPr>
+        <p:blipFill>
+          <a:blip r:embed="rId2"/>
+          <a:stretch>
+            <a:fillRect/>
+          </a:stretch>
+        </p:blipFill>
+        <p:spPr>
+          <a:xfrm>
+            <a:off x="6248986" y="1497914"/>
+            <a:ext cx="5943014" cy="5360086"/>
+          </a:xfrm>
+          <a:prstGeom prst="rect">
+            <a:avLst/>
+          </a:prstGeom>
+        </p:spPr>
+      </p:pic>
     </p:spTree>
     <p:extLst>
       <p:ext uri="{BB962C8B-B14F-4D97-AF65-F5344CB8AC3E}">

--- a/Design Patterns.pptx
+++ b/Design Patterns.pptx
@@ -5769,8 +5769,8 @@
         </p:blipFill>
         <p:spPr>
           <a:xfrm>
-            <a:off x="0" y="2105488"/>
-            <a:ext cx="12192000" cy="3625590"/>
+            <a:off x="0" y="1533525"/>
+            <a:ext cx="12192000" cy="5042204"/>
           </a:xfrm>
           <a:prstGeom prst="rect">
             <a:avLst/>
@@ -5901,8 +5901,8 @@
         </p:blipFill>
         <p:spPr>
           <a:xfrm>
-            <a:off x="136643" y="2015367"/>
-            <a:ext cx="11918713" cy="2827265"/>
+            <a:off x="136643" y="1581149"/>
+            <a:ext cx="11918713" cy="4752975"/>
           </a:xfrm>
           <a:prstGeom prst="rect">
             <a:avLst/>
@@ -6243,8 +6243,8 @@
         </p:nvSpPr>
         <p:spPr>
           <a:xfrm>
-            <a:off x="838200" y="1825625"/>
-            <a:ext cx="4052582" cy="4351439"/>
+            <a:off x="838199" y="1825625"/>
+            <a:ext cx="4410075" cy="4351439"/>
           </a:xfrm>
         </p:spPr>
         <p:txBody>
@@ -6258,12 +6258,12 @@
               <a:buChar char="ü"/>
             </a:pPr>
             <a:r>
-              <a:rPr lang="en-US">
+              <a:rPr lang="en-US" sz="3200" dirty="0">
                 <a:solidFill>
                   <a:schemeClr val="accent6"/>
                 </a:solidFill>
               </a:rPr>
-              <a:t>Text Here</a:t>
+              <a:t>SRP</a:t>
             </a:r>
           </a:p>
           <a:p>
@@ -6272,23 +6272,51 @@
               <a:buChar char="ü"/>
             </a:pPr>
             <a:r>
-              <a:rPr lang="en-US">
+              <a:rPr lang="en-US" sz="3200" dirty="0">
                 <a:solidFill>
                   <a:schemeClr val="accent6"/>
                 </a:solidFill>
               </a:rPr>
-              <a:t>Bullet point formatting</a:t>
-            </a:r>
-          </a:p>
-          <a:p>
-            <a:endParaRPr lang="en-US">
+              <a:t>Open/Closed Principle</a:t>
+            </a:r>
+          </a:p>
+          <a:p>
+            <a:pPr>
+              <a:buFont typeface="Wingdings" panose="05000000000000000000" pitchFamily="2" charset="2"/>
+              <a:buChar char="ü"/>
+            </a:pPr>
+            <a:r>
+              <a:rPr lang="en-US" sz="3200" dirty="0">
+                <a:solidFill>
+                  <a:schemeClr val="accent6"/>
+                </a:solidFill>
+              </a:rPr>
+              <a:t>Simplified Context</a:t>
+            </a:r>
+          </a:p>
+          <a:p>
+            <a:pPr>
+              <a:buFont typeface="Wingdings" panose="05000000000000000000" pitchFamily="2" charset="2"/>
+              <a:buChar char="ü"/>
+            </a:pPr>
+            <a:r>
+              <a:rPr lang="en-US" sz="3200" dirty="0">
+                <a:solidFill>
+                  <a:schemeClr val="accent6"/>
+                </a:solidFill>
+              </a:rPr>
+              <a:t>Maintainability, scalability, readability</a:t>
+            </a:r>
+          </a:p>
+          <a:p>
+            <a:endParaRPr lang="en-US" dirty="0">
               <a:solidFill>
                 <a:srgbClr val="E6E6E6"/>
               </a:solidFill>
             </a:endParaRPr>
           </a:p>
           <a:p>
-            <a:endParaRPr lang="en-US">
+            <a:endParaRPr lang="en-US" dirty="0">
               <a:solidFill>
                 <a:schemeClr val="bg1"/>
               </a:solidFill>
@@ -6312,7 +6340,7 @@
         </p:nvSpPr>
         <p:spPr>
           <a:xfrm>
-            <a:off x="7460611" y="432593"/>
+            <a:off x="6927211" y="365124"/>
             <a:ext cx="3893191" cy="1325563"/>
           </a:xfrm>
           <a:prstGeom prst="rect">
@@ -6371,7 +6399,7 @@
         </p:nvSpPr>
         <p:spPr>
           <a:xfrm>
-            <a:off x="7301220" y="1825624"/>
+            <a:off x="7301219" y="1825624"/>
             <a:ext cx="4052582" cy="4351439"/>
           </a:xfrm>
           <a:prstGeom prst="rect">
@@ -6548,33 +6576,57 @@
           </a:lstStyle>
           <a:p>
             <a:r>
-              <a:rPr lang="en-US">
+              <a:rPr lang="en-US" sz="3200" dirty="0">
                 <a:solidFill>
                   <a:srgbClr val="FF0000"/>
                 </a:solidFill>
               </a:rPr>
-              <a:t>Text Here</a:t>
-            </a:r>
-          </a:p>
-          <a:p>
-            <a:r>
-              <a:rPr lang="en-US">
+              <a:t>The pattern can be overkill :</a:t>
+            </a:r>
+          </a:p>
+          <a:p>
+            <a:pPr lvl="1"/>
+            <a:r>
+              <a:rPr lang="en-US" sz="2800" dirty="0">
                 <a:solidFill>
                   <a:srgbClr val="FF0000"/>
                 </a:solidFill>
               </a:rPr>
-              <a:t>Bullet point formatting</a:t>
-            </a:r>
-          </a:p>
-          <a:p>
-            <a:endParaRPr lang="en-US">
+              <a:t>Adds complexity</a:t>
+            </a:r>
+          </a:p>
+          <a:p>
+            <a:pPr lvl="1"/>
+            <a:r>
+              <a:rPr lang="en-US" sz="2800" dirty="0">
+                <a:solidFill>
+                  <a:srgbClr val="FF0000"/>
+                </a:solidFill>
+              </a:rPr>
+              <a:t>Many classes</a:t>
+            </a:r>
+          </a:p>
+          <a:p>
+            <a:pPr lvl="1"/>
+            <a:r>
+              <a:rPr lang="en-US" sz="2800" dirty="0">
+                <a:solidFill>
+                  <a:srgbClr val="FF0000"/>
+                </a:solidFill>
+              </a:rPr>
+              <a:t>Performance (memory)</a:t>
+            </a:r>
+          </a:p>
+          <a:p>
+            <a:pPr lvl="1"/>
+            <a:endParaRPr lang="en-US" dirty="0">
               <a:solidFill>
                 <a:srgbClr val="FF0000"/>
               </a:solidFill>
             </a:endParaRPr>
           </a:p>
           <a:p>
-            <a:endParaRPr lang="en-US">
+            <a:endParaRPr lang="en-US" dirty="0">
               <a:solidFill>
                 <a:srgbClr val="FF0000"/>
               </a:solidFill>
@@ -6639,7 +6691,7 @@
           <a:lstStyle/>
           <a:p>
             <a:r>
-              <a:rPr lang="en-US">
+              <a:rPr lang="en-US" dirty="0">
                 <a:solidFill>
                   <a:schemeClr val="bg1"/>
                 </a:solidFill>
@@ -6647,7 +6699,7 @@
                 <a:ea typeface="Calibri" panose="020F0502020204030204" pitchFamily="34" charset="0"/>
                 <a:cs typeface="Calibri" panose="020F0502020204030204" pitchFamily="34" charset="0"/>
               </a:rPr>
-              <a:t>Thank you!</a:t>
+              <a:t>Thank you !</a:t>
             </a:r>
           </a:p>
         </p:txBody>
@@ -6681,12 +6733,12 @@
           <a:lstStyle/>
           <a:p>
             <a:r>
-              <a:rPr lang="en-US" sz="4000">
+              <a:rPr lang="en-US" sz="4000" dirty="0">
                 <a:solidFill>
                   <a:schemeClr val="bg1"/>
                 </a:solidFill>
               </a:rPr>
-              <a:t>Any question?</a:t>
+              <a:t>Any question ?</a:t>
             </a:r>
           </a:p>
         </p:txBody>

--- a/Design Patterns.pptx
+++ b/Design Patterns.pptx
@@ -14,10 +14,10 @@
     <p:sldId id="267" r:id="rId8"/>
     <p:sldId id="277" r:id="rId9"/>
     <p:sldId id="278" r:id="rId10"/>
-    <p:sldId id="281" r:id="rId11"/>
-    <p:sldId id="280" r:id="rId12"/>
+    <p:sldId id="287" r:id="rId11"/>
+    <p:sldId id="286" r:id="rId12"/>
     <p:sldId id="282" r:id="rId13"/>
-    <p:sldId id="283" r:id="rId14"/>
+    <p:sldId id="280" r:id="rId14"/>
     <p:sldId id="284" r:id="rId15"/>
     <p:sldId id="285" r:id="rId16"/>
     <p:sldId id="265" r:id="rId17"/>
@@ -149,10 +149,10 @@
           <p14:sldIdLst>
             <p14:sldId id="277"/>
             <p14:sldId id="278"/>
-            <p14:sldId id="281"/>
+            <p14:sldId id="287"/>
+            <p14:sldId id="286"/>
+            <p14:sldId id="282"/>
             <p14:sldId id="280"/>
-            <p14:sldId id="282"/>
-            <p14:sldId id="283"/>
             <p14:sldId id="284"/>
             <p14:sldId id="285"/>
           </p14:sldIdLst>
@@ -4403,10 +4403,13 @@
                   <a:srgbClr val="E6E6E6"/>
                 </a:solidFill>
               </a:rPr>
-              <a:t>Removing code that perform actions from the object to state classes</a:t>
-            </a:r>
-          </a:p>
-          <a:p>
+              <a:t>Create an interface that represent the different actions of the object</a:t>
+            </a:r>
+          </a:p>
+          <a:p>
+            <a:pPr marL="0" indent="0">
+              <a:buNone/>
+            </a:pPr>
             <a:endParaRPr lang="en-US">
               <a:solidFill>
                 <a:schemeClr val="bg1"/>
@@ -4418,7 +4421,7 @@
     </p:spTree>
     <p:extLst>
       <p:ext uri="{BB962C8B-B14F-4D97-AF65-F5344CB8AC3E}">
-        <p14:creationId xmlns:p14="http://schemas.microsoft.com/office/powerpoint/2010/main" val="1141923344"/>
+        <p14:creationId xmlns:p14="http://schemas.microsoft.com/office/powerpoint/2010/main" val="1156178996"/>
       </p:ext>
     </p:extLst>
   </p:cSld>
@@ -4505,18 +4508,32 @@
           </a:bodyPr>
           <a:lstStyle/>
           <a:p>
+            <a:r>
+              <a:rPr lang="en-US">
+                <a:solidFill>
+                  <a:srgbClr val="E6E6E6"/>
+                </a:solidFill>
+              </a:rPr>
+              <a:t>First step :</a:t>
+            </a:r>
+          </a:p>
+          <a:p>
+            <a:pPr lvl="1"/>
+            <a:r>
+              <a:rPr lang="en-US">
+                <a:solidFill>
+                  <a:srgbClr val="E6E6E6"/>
+                </a:solidFill>
+              </a:rPr>
+              <a:t>Create an interface that represent the different actions of the object</a:t>
+            </a:r>
+          </a:p>
+          <a:p>
             <a:pPr marL="0" indent="0">
               <a:buNone/>
             </a:pPr>
             <a:endParaRPr lang="en-US">
               <a:solidFill>
-                <a:srgbClr val="E6E6E6"/>
-              </a:solidFill>
-            </a:endParaRPr>
-          </a:p>
-          <a:p>
-            <a:endParaRPr lang="en-US">
-              <a:solidFill>
                 <a:schemeClr val="bg1"/>
               </a:solidFill>
             </a:endParaRPr>
@@ -4525,10 +4542,10 @@
       </p:sp>
       <p:pic>
         <p:nvPicPr>
-          <p:cNvPr id="5" name="Picture 3">
-            <a:extLst>
-              <a:ext uri="{FF2B5EF4-FFF2-40B4-BE49-F238E27FC236}">
-                <a16:creationId xmlns:a16="http://schemas.microsoft.com/office/drawing/2014/main" id="{FFC65D16-5F12-2CCB-C2B5-340B8AF54B59}"/>
+          <p:cNvPr id="5" name="Image 4">
+            <a:extLst>
+              <a:ext uri="{FF2B5EF4-FFF2-40B4-BE49-F238E27FC236}">
+                <a16:creationId xmlns:a16="http://schemas.microsoft.com/office/drawing/2014/main" id="{0D8CF43B-B27A-8023-A1EA-00C79F9119E8}"/>
               </a:ext>
             </a:extLst>
           </p:cNvPr>
@@ -4545,206 +4562,18 @@
         </p:blipFill>
         <p:spPr>
           <a:xfrm>
-            <a:off x="0" y="1497914"/>
-            <a:ext cx="5943014" cy="5360086"/>
+            <a:off x="4045343" y="3429000"/>
+            <a:ext cx="3724795" cy="2286319"/>
           </a:xfrm>
           <a:prstGeom prst="rect">
             <a:avLst/>
           </a:prstGeom>
         </p:spPr>
       </p:pic>
-      <p:pic>
-        <p:nvPicPr>
-          <p:cNvPr id="8" name="Image 7">
-            <a:extLst>
-              <a:ext uri="{FF2B5EF4-FFF2-40B4-BE49-F238E27FC236}">
-                <a16:creationId xmlns:a16="http://schemas.microsoft.com/office/drawing/2014/main" id="{46A645EE-6280-0BDE-8E6A-3C6CD3E5503B}"/>
-              </a:ext>
-            </a:extLst>
-          </p:cNvPr>
-          <p:cNvPicPr>
-            <a:picLocks noChangeAspect="1"/>
-          </p:cNvPicPr>
-          <p:nvPr/>
-        </p:nvPicPr>
-        <p:blipFill>
-          <a:blip r:embed="rId3"/>
-          <a:stretch>
-            <a:fillRect/>
-          </a:stretch>
-        </p:blipFill>
-        <p:spPr>
-          <a:xfrm>
-            <a:off x="9158872" y="5186466"/>
-            <a:ext cx="2595925" cy="1157449"/>
-          </a:xfrm>
-          <a:prstGeom prst="rect">
-            <a:avLst/>
-          </a:prstGeom>
-        </p:spPr>
-      </p:pic>
-      <p:pic>
-        <p:nvPicPr>
-          <p:cNvPr id="10" name="Image 9">
-            <a:extLst>
-              <a:ext uri="{FF2B5EF4-FFF2-40B4-BE49-F238E27FC236}">
-                <a16:creationId xmlns:a16="http://schemas.microsoft.com/office/drawing/2014/main" id="{9E3BF5B0-AA2E-D056-A59C-1B983EE544AC}"/>
-              </a:ext>
-            </a:extLst>
-          </p:cNvPr>
-          <p:cNvPicPr>
-            <a:picLocks noChangeAspect="1"/>
-          </p:cNvPicPr>
-          <p:nvPr/>
-        </p:nvPicPr>
-        <p:blipFill>
-          <a:blip r:embed="rId4"/>
-          <a:stretch>
-            <a:fillRect/>
-          </a:stretch>
-        </p:blipFill>
-        <p:spPr>
-          <a:xfrm>
-            <a:off x="7509683" y="3623796"/>
-            <a:ext cx="2491432" cy="1108321"/>
-          </a:xfrm>
-          <a:prstGeom prst="rect">
-            <a:avLst/>
-          </a:prstGeom>
-        </p:spPr>
-      </p:pic>
-      <p:pic>
-        <p:nvPicPr>
-          <p:cNvPr id="12" name="Image 11">
-            <a:extLst>
-              <a:ext uri="{FF2B5EF4-FFF2-40B4-BE49-F238E27FC236}">
-                <a16:creationId xmlns:a16="http://schemas.microsoft.com/office/drawing/2014/main" id="{93415F69-A8D4-CFDF-CCD0-AD361B560A42}"/>
-              </a:ext>
-            </a:extLst>
-          </p:cNvPr>
-          <p:cNvPicPr>
-            <a:picLocks noChangeAspect="1"/>
-          </p:cNvPicPr>
-          <p:nvPr/>
-        </p:nvPicPr>
-        <p:blipFill>
-          <a:blip r:embed="rId5"/>
-          <a:stretch>
-            <a:fillRect/>
-          </a:stretch>
-        </p:blipFill>
-        <p:spPr>
-          <a:xfrm>
-            <a:off x="6614541" y="2030176"/>
-            <a:ext cx="1790283" cy="1139271"/>
-          </a:xfrm>
-          <a:prstGeom prst="rect">
-            <a:avLst/>
-          </a:prstGeom>
-        </p:spPr>
-      </p:pic>
-      <p:sp>
-        <p:nvSpPr>
-          <p:cNvPr id="13" name="Flèche : droite rayée 12">
-            <a:extLst>
-              <a:ext uri="{FF2B5EF4-FFF2-40B4-BE49-F238E27FC236}">
-                <a16:creationId xmlns:a16="http://schemas.microsoft.com/office/drawing/2014/main" id="{8F804CE9-7DCF-6A3E-3CBD-F752932FEF5D}"/>
-              </a:ext>
-            </a:extLst>
-          </p:cNvPr>
-          <p:cNvSpPr/>
-          <p:nvPr/>
-        </p:nvSpPr>
-        <p:spPr>
-          <a:xfrm>
-            <a:off x="5458932" y="3810994"/>
-            <a:ext cx="997353" cy="733926"/>
-          </a:xfrm>
-          <a:prstGeom prst="stripedRightArrow">
-            <a:avLst/>
-          </a:prstGeom>
-        </p:spPr>
-        <p:style>
-          <a:lnRef idx="2">
-            <a:schemeClr val="accent1">
-              <a:shade val="15000"/>
-            </a:schemeClr>
-          </a:lnRef>
-          <a:fillRef idx="1">
-            <a:schemeClr val="accent1"/>
-          </a:fillRef>
-          <a:effectRef idx="0">
-            <a:schemeClr val="accent1"/>
-          </a:effectRef>
-          <a:fontRef idx="minor">
-            <a:schemeClr val="lt1"/>
-          </a:fontRef>
-        </p:style>
-        <p:txBody>
-          <a:bodyPr rtlCol="0" anchor="ctr"/>
-          <a:lstStyle/>
-          <a:p>
-            <a:pPr algn="ctr"/>
-            <a:endParaRPr lang="fr-BE"/>
-          </a:p>
-        </p:txBody>
-      </p:sp>
-      <p:sp>
-        <p:nvSpPr>
-          <p:cNvPr id="7" name="Rectangle 6">
-            <a:extLst>
-              <a:ext uri="{FF2B5EF4-FFF2-40B4-BE49-F238E27FC236}">
-                <a16:creationId xmlns:a16="http://schemas.microsoft.com/office/drawing/2014/main" id="{3D8B3FEA-2F31-D7E6-FA75-D8E73CD9C808}"/>
-              </a:ext>
-            </a:extLst>
-          </p:cNvPr>
-          <p:cNvSpPr/>
-          <p:nvPr/>
-        </p:nvSpPr>
-        <p:spPr>
-          <a:xfrm>
-            <a:off x="838200" y="4419400"/>
-            <a:ext cx="4564075" cy="2073475"/>
-          </a:xfrm>
-          <a:prstGeom prst="rect">
-            <a:avLst/>
-          </a:prstGeom>
-          <a:noFill/>
-          <a:ln w="28575">
-            <a:solidFill>
-              <a:srgbClr val="FF0000"/>
-            </a:solidFill>
-          </a:ln>
-        </p:spPr>
-        <p:style>
-          <a:lnRef idx="2">
-            <a:schemeClr val="accent1">
-              <a:shade val="15000"/>
-            </a:schemeClr>
-          </a:lnRef>
-          <a:fillRef idx="1">
-            <a:schemeClr val="accent1"/>
-          </a:fillRef>
-          <a:effectRef idx="0">
-            <a:schemeClr val="accent1"/>
-          </a:effectRef>
-          <a:fontRef idx="minor">
-            <a:schemeClr val="lt1"/>
-          </a:fontRef>
-        </p:style>
-        <p:txBody>
-          <a:bodyPr rtlCol="0" anchor="ctr"/>
-          <a:lstStyle/>
-          <a:p>
-            <a:pPr algn="ctr"/>
-            <a:endParaRPr lang="fr-BE"/>
-          </a:p>
-        </p:txBody>
-      </p:sp>
     </p:spTree>
     <p:extLst>
       <p:ext uri="{BB962C8B-B14F-4D97-AF65-F5344CB8AC3E}">
-        <p14:creationId xmlns:p14="http://schemas.microsoft.com/office/powerpoint/2010/main" val="450544265"/>
+        <p14:creationId xmlns:p14="http://schemas.microsoft.com/office/powerpoint/2010/main" val="1622045216"/>
       </p:ext>
     </p:extLst>
   </p:cSld>
@@ -4848,7 +4677,7 @@
                   <a:srgbClr val="E6E6E6"/>
                 </a:solidFill>
               </a:rPr>
-              <a:t>Removing code that perform actions from the object to state classes</a:t>
+              <a:t>Create an interface that represent the different actions of the object</a:t>
             </a:r>
           </a:p>
           <a:p>
@@ -4876,7 +4705,7 @@
                   <a:srgbClr val="E6E6E6"/>
                 </a:solidFill>
               </a:rPr>
-              <a:t>Create an interface that represent the different actions of the object</a:t>
+              <a:t>Removing code that represent behaviors from the object</a:t>
             </a:r>
           </a:p>
           <a:p>
@@ -4991,7 +4820,7 @@
           </a:bodyPr>
           <a:lstStyle/>
           <a:p>
-            <a:pPr marL="457200" lvl="1" indent="0">
+            <a:pPr marL="0" indent="0">
               <a:buNone/>
             </a:pPr>
             <a:endParaRPr lang="en-US">
@@ -5011,10 +4840,10 @@
       </p:sp>
       <p:pic>
         <p:nvPicPr>
-          <p:cNvPr id="8" name="Image 7">
-            <a:extLst>
-              <a:ext uri="{FF2B5EF4-FFF2-40B4-BE49-F238E27FC236}">
-                <a16:creationId xmlns:a16="http://schemas.microsoft.com/office/drawing/2014/main" id="{3C91DB8B-A3C9-007A-2CAD-F6F36B5165E2}"/>
+          <p:cNvPr id="5" name="Picture 3">
+            <a:extLst>
+              <a:ext uri="{FF2B5EF4-FFF2-40B4-BE49-F238E27FC236}">
+                <a16:creationId xmlns:a16="http://schemas.microsoft.com/office/drawing/2014/main" id="{FFC65D16-5F12-2CCB-C2B5-340B8AF54B59}"/>
               </a:ext>
             </a:extLst>
           </p:cNvPr>
@@ -5031,8 +4860,8 @@
         </p:blipFill>
         <p:spPr>
           <a:xfrm>
-            <a:off x="286407" y="1651876"/>
-            <a:ext cx="11619186" cy="4698935"/>
+            <a:off x="197223" y="2139076"/>
+            <a:ext cx="3707489" cy="3343835"/>
           </a:xfrm>
           <a:prstGeom prst="rect">
             <a:avLst/>
@@ -5041,10 +4870,10 @@
       </p:pic>
       <p:sp>
         <p:nvSpPr>
-          <p:cNvPr id="9" name="Rectangle 8">
-            <a:extLst>
-              <a:ext uri="{FF2B5EF4-FFF2-40B4-BE49-F238E27FC236}">
-                <a16:creationId xmlns:a16="http://schemas.microsoft.com/office/drawing/2014/main" id="{560169DC-5B91-C905-46EB-E2C10463B348}"/>
+          <p:cNvPr id="7" name="Rectangle 6">
+            <a:extLst>
+              <a:ext uri="{FF2B5EF4-FFF2-40B4-BE49-F238E27FC236}">
+                <a16:creationId xmlns:a16="http://schemas.microsoft.com/office/drawing/2014/main" id="{3D8B3FEA-2F31-D7E6-FA75-D8E73CD9C808}"/>
               </a:ext>
             </a:extLst>
           </p:cNvPr>
@@ -5053,8 +4882,90 @@
         </p:nvSpPr>
         <p:spPr>
           <a:xfrm>
-            <a:off x="286407" y="2222938"/>
-            <a:ext cx="4118906" cy="1592317"/>
+            <a:off x="792236" y="4001344"/>
+            <a:ext cx="2883293" cy="1243009"/>
+          </a:xfrm>
+          <a:prstGeom prst="rect">
+            <a:avLst/>
+          </a:prstGeom>
+          <a:noFill/>
+          <a:ln w="28575">
+            <a:solidFill>
+              <a:srgbClr val="FF0000"/>
+            </a:solidFill>
+          </a:ln>
+        </p:spPr>
+        <p:style>
+          <a:lnRef idx="2">
+            <a:schemeClr val="accent1">
+              <a:shade val="15000"/>
+            </a:schemeClr>
+          </a:lnRef>
+          <a:fillRef idx="1">
+            <a:schemeClr val="accent1"/>
+          </a:fillRef>
+          <a:effectRef idx="0">
+            <a:schemeClr val="accent1"/>
+          </a:effectRef>
+          <a:fontRef idx="minor">
+            <a:schemeClr val="lt1"/>
+          </a:fontRef>
+        </p:style>
+        <p:txBody>
+          <a:bodyPr rtlCol="0" anchor="ctr"/>
+          <a:lstStyle/>
+          <a:p>
+            <a:pPr algn="ctr"/>
+            <a:endParaRPr lang="fr-BE"/>
+          </a:p>
+        </p:txBody>
+      </p:sp>
+      <p:pic>
+        <p:nvPicPr>
+          <p:cNvPr id="6" name="Image 5">
+            <a:extLst>
+              <a:ext uri="{FF2B5EF4-FFF2-40B4-BE49-F238E27FC236}">
+                <a16:creationId xmlns:a16="http://schemas.microsoft.com/office/drawing/2014/main" id="{3CB0D3E5-8045-F634-FC7F-DF1030EA841D}"/>
+              </a:ext>
+            </a:extLst>
+          </p:cNvPr>
+          <p:cNvPicPr>
+            <a:picLocks noChangeAspect="1"/>
+          </p:cNvPicPr>
+          <p:nvPr/>
+        </p:nvPicPr>
+        <p:blipFill>
+          <a:blip r:embed="rId3"/>
+          <a:stretch>
+            <a:fillRect/>
+          </a:stretch>
+        </p:blipFill>
+        <p:spPr>
+          <a:xfrm>
+            <a:off x="4499725" y="2753350"/>
+            <a:ext cx="7644781" cy="3091639"/>
+          </a:xfrm>
+          <a:prstGeom prst="rect">
+            <a:avLst/>
+          </a:prstGeom>
+        </p:spPr>
+      </p:pic>
+      <p:sp>
+        <p:nvSpPr>
+          <p:cNvPr id="9" name="Rectangle 8">
+            <a:extLst>
+              <a:ext uri="{FF2B5EF4-FFF2-40B4-BE49-F238E27FC236}">
+                <a16:creationId xmlns:a16="http://schemas.microsoft.com/office/drawing/2014/main" id="{514B49D5-111A-EDA8-2E11-1105B2830688}"/>
+              </a:ext>
+            </a:extLst>
+          </p:cNvPr>
+          <p:cNvSpPr/>
+          <p:nvPr/>
+        </p:nvSpPr>
+        <p:spPr>
+          <a:xfrm>
+            <a:off x="4495315" y="2926285"/>
+            <a:ext cx="2711931" cy="1242304"/>
           </a:xfrm>
           <a:prstGeom prst="rect">
             <a:avLst/>
@@ -5091,10 +5002,56 @@
           </a:p>
         </p:txBody>
       </p:sp>
+      <p:sp>
+        <p:nvSpPr>
+          <p:cNvPr id="13" name="Flèche : droite rayée 12">
+            <a:extLst>
+              <a:ext uri="{FF2B5EF4-FFF2-40B4-BE49-F238E27FC236}">
+                <a16:creationId xmlns:a16="http://schemas.microsoft.com/office/drawing/2014/main" id="{8F804CE9-7DCF-6A3E-3CBD-F752932FEF5D}"/>
+              </a:ext>
+            </a:extLst>
+          </p:cNvPr>
+          <p:cNvSpPr/>
+          <p:nvPr/>
+        </p:nvSpPr>
+        <p:spPr>
+          <a:xfrm rot="1488350">
+            <a:off x="3572205" y="4496901"/>
+            <a:ext cx="997353" cy="733926"/>
+          </a:xfrm>
+          <a:prstGeom prst="stripedRightArrow">
+            <a:avLst/>
+          </a:prstGeom>
+        </p:spPr>
+        <p:style>
+          <a:lnRef idx="2">
+            <a:schemeClr val="accent1">
+              <a:shade val="15000"/>
+            </a:schemeClr>
+          </a:lnRef>
+          <a:fillRef idx="1">
+            <a:schemeClr val="accent1"/>
+          </a:fillRef>
+          <a:effectRef idx="0">
+            <a:schemeClr val="accent1"/>
+          </a:effectRef>
+          <a:fontRef idx="minor">
+            <a:schemeClr val="lt1"/>
+          </a:fontRef>
+        </p:style>
+        <p:txBody>
+          <a:bodyPr rtlCol="0" anchor="ctr"/>
+          <a:lstStyle/>
+          <a:p>
+            <a:pPr algn="ctr"/>
+            <a:endParaRPr lang="fr-BE"/>
+          </a:p>
+        </p:txBody>
+      </p:sp>
     </p:spTree>
     <p:extLst>
       <p:ext uri="{BB962C8B-B14F-4D97-AF65-F5344CB8AC3E}">
-        <p14:creationId xmlns:p14="http://schemas.microsoft.com/office/powerpoint/2010/main" val="2161096809"/>
+        <p14:creationId xmlns:p14="http://schemas.microsoft.com/office/powerpoint/2010/main" val="450544265"/>
       </p:ext>
     </p:extLst>
   </p:cSld>
@@ -5198,10 +5155,13 @@
                   <a:srgbClr val="E6E6E6"/>
                 </a:solidFill>
               </a:rPr>
-              <a:t>Removing code that perform actions from the object to state classes</a:t>
-            </a:r>
-          </a:p>
-          <a:p>
+              <a:t>Create an interface that represent the different actions of the object</a:t>
+            </a:r>
+          </a:p>
+          <a:p>
+            <a:pPr marL="0" indent="0">
+              <a:buNone/>
+            </a:pPr>
             <a:endParaRPr lang="en-US">
               <a:solidFill>
                 <a:srgbClr val="E6E6E6"/>
@@ -5226,7 +5186,7 @@
                   <a:srgbClr val="E6E6E6"/>
                 </a:solidFill>
               </a:rPr>
-              <a:t>Create an interface that represent the different actions of the object</a:t>
+              <a:t>Removing code that represent behaviors from the object</a:t>
             </a:r>
           </a:p>
           <a:p>

--- a/Design Patterns.pptx
+++ b/Design Patterns.pptx
@@ -1174,7 +1174,7 @@
           <a:p>
             <a:fld id="{45138B52-497E-46F0-9136-1D0CFA3ECF91}" type="slidenum">
               <a:rPr lang="fr-BE" smtClean="0"/>
-              <a:t>‹N°›</a:t>
+              <a:t>‹#›</a:t>
             </a:fld>
             <a:endParaRPr lang="fr-BE"/>
           </a:p>
@@ -1374,7 +1374,7 @@
           <a:p>
             <a:fld id="{45138B52-497E-46F0-9136-1D0CFA3ECF91}" type="slidenum">
               <a:rPr lang="fr-BE" smtClean="0"/>
-              <a:t>‹N°›</a:t>
+              <a:t>‹#›</a:t>
             </a:fld>
             <a:endParaRPr lang="fr-BE"/>
           </a:p>
@@ -1584,7 +1584,7 @@
           <a:p>
             <a:fld id="{45138B52-497E-46F0-9136-1D0CFA3ECF91}" type="slidenum">
               <a:rPr lang="fr-BE" smtClean="0"/>
-              <a:t>‹N°›</a:t>
+              <a:t>‹#›</a:t>
             </a:fld>
             <a:endParaRPr lang="fr-BE"/>
           </a:p>
@@ -1784,7 +1784,7 @@
           <a:p>
             <a:fld id="{45138B52-497E-46F0-9136-1D0CFA3ECF91}" type="slidenum">
               <a:rPr lang="fr-BE" smtClean="0"/>
-              <a:t>‹N°›</a:t>
+              <a:t>‹#›</a:t>
             </a:fld>
             <a:endParaRPr lang="fr-BE"/>
           </a:p>
@@ -2060,7 +2060,7 @@
           <a:p>
             <a:fld id="{45138B52-497E-46F0-9136-1D0CFA3ECF91}" type="slidenum">
               <a:rPr lang="fr-BE" smtClean="0"/>
-              <a:t>‹N°›</a:t>
+              <a:t>‹#›</a:t>
             </a:fld>
             <a:endParaRPr lang="fr-BE"/>
           </a:p>
@@ -2328,7 +2328,7 @@
           <a:p>
             <a:fld id="{45138B52-497E-46F0-9136-1D0CFA3ECF91}" type="slidenum">
               <a:rPr lang="fr-BE" smtClean="0"/>
-              <a:t>‹N°›</a:t>
+              <a:t>‹#›</a:t>
             </a:fld>
             <a:endParaRPr lang="fr-BE"/>
           </a:p>
@@ -2743,7 +2743,7 @@
           <a:p>
             <a:fld id="{45138B52-497E-46F0-9136-1D0CFA3ECF91}" type="slidenum">
               <a:rPr lang="fr-BE" smtClean="0"/>
-              <a:t>‹N°›</a:t>
+              <a:t>‹#›</a:t>
             </a:fld>
             <a:endParaRPr lang="fr-BE"/>
           </a:p>
@@ -2885,7 +2885,7 @@
           <a:p>
             <a:fld id="{45138B52-497E-46F0-9136-1D0CFA3ECF91}" type="slidenum">
               <a:rPr lang="fr-BE" smtClean="0"/>
-              <a:t>‹N°›</a:t>
+              <a:t>‹#›</a:t>
             </a:fld>
             <a:endParaRPr lang="fr-BE"/>
           </a:p>
@@ -2998,7 +2998,7 @@
           <a:p>
             <a:fld id="{45138B52-497E-46F0-9136-1D0CFA3ECF91}" type="slidenum">
               <a:rPr lang="fr-BE" smtClean="0"/>
-              <a:t>‹N°›</a:t>
+              <a:t>‹#›</a:t>
             </a:fld>
             <a:endParaRPr lang="fr-BE"/>
           </a:p>
@@ -3311,7 +3311,7 @@
           <a:p>
             <a:fld id="{45138B52-497E-46F0-9136-1D0CFA3ECF91}" type="slidenum">
               <a:rPr lang="fr-BE" smtClean="0"/>
-              <a:t>‹N°›</a:t>
+              <a:t>‹#›</a:t>
             </a:fld>
             <a:endParaRPr lang="fr-BE"/>
           </a:p>
@@ -3600,7 +3600,7 @@
           <a:p>
             <a:fld id="{45138B52-497E-46F0-9136-1D0CFA3ECF91}" type="slidenum">
               <a:rPr lang="fr-BE" smtClean="0"/>
-              <a:t>‹N°›</a:t>
+              <a:t>‹#›</a:t>
             </a:fld>
             <a:endParaRPr lang="fr-BE"/>
           </a:p>
@@ -3890,7 +3890,7 @@
           <a:p>
             <a:fld id="{45138B52-497E-46F0-9136-1D0CFA3ECF91}" type="slidenum">
               <a:rPr lang="fr-BE" smtClean="0"/>
-              <a:t>‹N°›</a:t>
+              <a:t>‹#›</a:t>
             </a:fld>
             <a:endParaRPr lang="fr-BE"/>
           </a:p>
@@ -5921,20 +5921,12 @@
           <a:lstStyle/>
           <a:p>
             <a:r>
-              <a:rPr lang="en-US" b="1">
+              <a:rPr lang="fr-BE" b="1" dirty="0">
                 <a:solidFill>
                   <a:schemeClr val="bg1"/>
                 </a:solidFill>
               </a:rPr>
-              <a:t>Title</a:t>
-            </a:r>
-            <a:r>
-              <a:rPr lang="fr-BE" b="1">
-                <a:solidFill>
-                  <a:schemeClr val="bg1"/>
-                </a:solidFill>
-              </a:rPr>
-              <a:t> slide</a:t>
+              <a:t>Index</a:t>
             </a:r>
           </a:p>
         </p:txBody>
@@ -5957,8 +5949,8 @@
         </p:nvSpPr>
         <p:spPr>
           <a:xfrm>
-            <a:off x="838200" y="1825625"/>
-            <a:ext cx="10515600" cy="4351439"/>
+            <a:off x="838200" y="2438066"/>
+            <a:ext cx="10515600" cy="2853601"/>
           </a:xfrm>
         </p:spPr>
         <p:txBody>
@@ -5967,82 +5959,116 @@
           </a:bodyPr>
           <a:lstStyle/>
           <a:p>
-            <a:r>
-              <a:rPr lang="en-US">
-                <a:solidFill>
-                  <a:schemeClr val="bg1"/>
-                </a:solidFill>
-              </a:rPr>
-              <a:t>Text Here</a:t>
-            </a:r>
-          </a:p>
-          <a:p>
-            <a:r>
-              <a:rPr lang="en-US">
-                <a:solidFill>
-                  <a:schemeClr val="bg1"/>
-                </a:solidFill>
-              </a:rPr>
-              <a:t>Bullet point formatting</a:t>
-            </a:r>
-          </a:p>
-          <a:p>
-            <a:r>
-              <a:rPr lang="en-US">
-                <a:solidFill>
-                  <a:srgbClr val="FFC000"/>
-                </a:solidFill>
-              </a:rPr>
-              <a:t>Color </a:t>
-            </a:r>
-            <a:r>
-              <a:rPr lang="en-US" err="1">
-                <a:solidFill>
-                  <a:srgbClr val="FFC000"/>
-                </a:solidFill>
-              </a:rPr>
-              <a:t>wheeee</a:t>
-            </a:r>
-            <a:endParaRPr lang="en-US">
+            <a:pPr>
+              <a:buFont typeface="Wingdings" panose="05000000000000000000" pitchFamily="2" charset="2"/>
+              <a:buChar char="ü"/>
+            </a:pPr>
+            <a:r>
+              <a:rPr lang="en-US" dirty="0">
+                <a:solidFill>
+                  <a:schemeClr val="bg1">
+                    <a:lumMod val="95000"/>
+                  </a:schemeClr>
+                </a:solidFill>
+              </a:rPr>
+              <a:t>Application state using conditionals </a:t>
+            </a:r>
+          </a:p>
+          <a:p>
+            <a:pPr lvl="1">
+              <a:buFont typeface="Wingdings" panose="05000000000000000000" pitchFamily="2" charset="2"/>
+              <a:buChar char="ü"/>
+            </a:pPr>
+            <a:r>
+              <a:rPr lang="en-US" dirty="0">
+                <a:solidFill>
+                  <a:schemeClr val="bg1">
+                    <a:lumMod val="95000"/>
+                  </a:schemeClr>
+                </a:solidFill>
+              </a:rPr>
+              <a:t>Review of shortcomings</a:t>
+            </a:r>
+          </a:p>
+          <a:p>
+            <a:pPr>
+              <a:buFont typeface="Wingdings" panose="05000000000000000000" pitchFamily="2" charset="2"/>
+              <a:buChar char="ü"/>
+            </a:pPr>
+            <a:r>
+              <a:rPr lang="en-US" dirty="0">
+                <a:solidFill>
+                  <a:schemeClr val="bg1">
+                    <a:lumMod val="95000"/>
+                  </a:schemeClr>
+                </a:solidFill>
+              </a:rPr>
+              <a:t>Application state using the State design pattern</a:t>
+            </a:r>
+          </a:p>
+          <a:p>
+            <a:pPr lvl="1">
+              <a:buFont typeface="Wingdings" panose="05000000000000000000" pitchFamily="2" charset="2"/>
+              <a:buChar char="ü"/>
+            </a:pPr>
+            <a:r>
+              <a:rPr lang="en-US" dirty="0">
+                <a:solidFill>
+                  <a:schemeClr val="bg1">
+                    <a:lumMod val="95000"/>
+                  </a:schemeClr>
+                </a:solidFill>
+              </a:rPr>
+              <a:t>Step by step implementation</a:t>
+            </a:r>
+          </a:p>
+          <a:p>
+            <a:pPr>
+              <a:buFont typeface="Wingdings" panose="05000000000000000000" pitchFamily="2" charset="2"/>
+              <a:buChar char="ü"/>
+            </a:pPr>
+            <a:r>
+              <a:rPr lang="en-US" dirty="0">
+                <a:solidFill>
+                  <a:schemeClr val="bg1">
+                    <a:lumMod val="95000"/>
+                  </a:schemeClr>
+                </a:solidFill>
+              </a:rPr>
+              <a:t>Refactoring example</a:t>
+            </a:r>
+          </a:p>
+          <a:p>
+            <a:pPr>
+              <a:buFont typeface="Wingdings" panose="05000000000000000000" pitchFamily="2" charset="2"/>
+              <a:buChar char="ü"/>
+            </a:pPr>
+            <a:r>
+              <a:rPr lang="en-US" dirty="0">
+                <a:solidFill>
+                  <a:schemeClr val="bg1">
+                    <a:lumMod val="95000"/>
+                  </a:schemeClr>
+                </a:solidFill>
+              </a:rPr>
+              <a:t>Pros &amp; Cons</a:t>
+            </a:r>
+          </a:p>
+          <a:p>
+            <a:endParaRPr lang="en-US" dirty="0">
               <a:solidFill>
-                <a:srgbClr val="FFC000"/>
+                <a:schemeClr val="bg1">
+                  <a:lumMod val="95000"/>
+                </a:schemeClr>
               </a:solidFill>
             </a:endParaRPr>
           </a:p>
           <a:p>
-            <a:r>
-              <a:rPr lang="en-US">
-                <a:solidFill>
-                  <a:srgbClr val="00B0F0"/>
-                </a:solidFill>
-              </a:rPr>
-              <a:t>Other color </a:t>
-            </a:r>
-            <a:r>
-              <a:rPr lang="en-US" err="1">
-                <a:solidFill>
-                  <a:srgbClr val="00B0F0"/>
-                </a:solidFill>
-              </a:rPr>
-              <a:t>whooo</a:t>
-            </a:r>
-            <a:endParaRPr lang="en-US">
+            <a:endParaRPr lang="en-US" dirty="0">
               <a:solidFill>
-                <a:srgbClr val="00B0F0"/>
-              </a:solidFill>
-            </a:endParaRPr>
-          </a:p>
-          <a:p>
-            <a:endParaRPr lang="en-US">
-              <a:solidFill>
-                <a:srgbClr val="E6E6E6"/>
-              </a:solidFill>
-            </a:endParaRPr>
-          </a:p>
-          <a:p>
-            <a:endParaRPr lang="en-US">
-              <a:solidFill>
-                <a:schemeClr val="bg1"/>
+                <a:schemeClr val="bg1">
+                  <a:lumMod val="95000"/>
+                </a:schemeClr>
               </a:solidFill>
             </a:endParaRPr>
           </a:p>
@@ -6535,6 +6561,10 @@
             </a:lvl9pPr>
           </a:lstStyle>
           <a:p>
+            <a:pPr>
+              <a:buFont typeface="Calibri" panose="020F0502020204030204" pitchFamily="34" charset="0"/>
+              <a:buChar char="×"/>
+            </a:pPr>
             <a:r>
               <a:rPr lang="en-US" sz="3200" dirty="0">
                 <a:solidFill>
@@ -6545,7 +6575,10 @@
             </a:r>
           </a:p>
           <a:p>
-            <a:pPr lvl="1"/>
+            <a:pPr lvl="1">
+              <a:buFont typeface="Calibri" panose="020F0502020204030204" pitchFamily="34" charset="0"/>
+              <a:buChar char="×"/>
+            </a:pPr>
             <a:r>
               <a:rPr lang="en-US" sz="2800" dirty="0">
                 <a:solidFill>
@@ -6556,7 +6589,10 @@
             </a:r>
           </a:p>
           <a:p>
-            <a:pPr lvl="1"/>
+            <a:pPr lvl="1">
+              <a:buFont typeface="Calibri" panose="020F0502020204030204" pitchFamily="34" charset="0"/>
+              <a:buChar char="×"/>
+            </a:pPr>
             <a:r>
               <a:rPr lang="en-US" sz="2800" dirty="0">
                 <a:solidFill>
@@ -6567,7 +6603,10 @@
             </a:r>
           </a:p>
           <a:p>
-            <a:pPr lvl="1"/>
+            <a:pPr lvl="1">
+              <a:buFont typeface="Calibri" panose="020F0502020204030204" pitchFamily="34" charset="0"/>
+              <a:buChar char="×"/>
+            </a:pPr>
             <a:r>
               <a:rPr lang="en-US" sz="2800" dirty="0">
                 <a:solidFill>
@@ -7103,12 +7142,12 @@
           <a:lstStyle/>
           <a:p>
             <a:r>
-              <a:rPr lang="en-US" sz="4000">
+              <a:rPr lang="en-US" sz="4000" dirty="0">
                 <a:solidFill>
                   <a:schemeClr val="bg1"/>
                 </a:solidFill>
               </a:rPr>
-              <a:t>Current knowledge</a:t>
+              <a:t>Conditionals</a:t>
             </a:r>
           </a:p>
         </p:txBody>
@@ -7339,6 +7378,63 @@
           </a:prstGeom>
         </p:spPr>
       </p:pic>
+      <p:sp>
+        <p:nvSpPr>
+          <p:cNvPr id="3" name="Content Placeholder 2">
+            <a:extLst>
+              <a:ext uri="{FF2B5EF4-FFF2-40B4-BE49-F238E27FC236}">
+                <a16:creationId xmlns:a16="http://schemas.microsoft.com/office/drawing/2014/main" id="{5693A683-ED9D-DEF4-8AC9-F8F6AECA9CDB}"/>
+              </a:ext>
+            </a:extLst>
+          </p:cNvPr>
+          <p:cNvSpPr>
+            <a:spLocks noGrp="1"/>
+          </p:cNvSpPr>
+          <p:nvPr>
+            <p:ph idx="1"/>
+          </p:nvPr>
+        </p:nvSpPr>
+        <p:spPr>
+          <a:xfrm>
+            <a:off x="838200" y="3048000"/>
+            <a:ext cx="4706923" cy="1024467"/>
+          </a:xfrm>
+        </p:spPr>
+        <p:txBody>
+          <a:bodyPr>
+            <a:noAutofit/>
+          </a:bodyPr>
+          <a:lstStyle/>
+          <a:p>
+            <a:pPr>
+              <a:buFont typeface="Calibri" panose="020F0502020204030204" pitchFamily="34" charset="0"/>
+              <a:buChar char="×"/>
+            </a:pPr>
+            <a:r>
+              <a:rPr lang="en-US" dirty="0">
+                <a:solidFill>
+                  <a:schemeClr val="bg1"/>
+                </a:solidFill>
+              </a:rPr>
+              <a:t>Going through every state of the class for each method</a:t>
+            </a:r>
+          </a:p>
+          <a:p>
+            <a:endParaRPr lang="en-US" dirty="0">
+              <a:solidFill>
+                <a:srgbClr val="E6E6E6"/>
+              </a:solidFill>
+            </a:endParaRPr>
+          </a:p>
+          <a:p>
+            <a:endParaRPr lang="en-US" dirty="0">
+              <a:solidFill>
+                <a:schemeClr val="bg1"/>
+              </a:solidFill>
+            </a:endParaRPr>
+          </a:p>
+        </p:txBody>
+      </p:sp>
     </p:spTree>
     <p:extLst>
       <p:ext uri="{BB962C8B-B14F-4D97-AF65-F5344CB8AC3E}">
@@ -7447,6 +7543,63 @@
           </a:prstGeom>
         </p:spPr>
       </p:pic>
+      <p:sp>
+        <p:nvSpPr>
+          <p:cNvPr id="3" name="Content Placeholder 2">
+            <a:extLst>
+              <a:ext uri="{FF2B5EF4-FFF2-40B4-BE49-F238E27FC236}">
+                <a16:creationId xmlns:a16="http://schemas.microsoft.com/office/drawing/2014/main" id="{BA201799-3BE0-0646-F613-4E47F666CF39}"/>
+              </a:ext>
+            </a:extLst>
+          </p:cNvPr>
+          <p:cNvSpPr>
+            <a:spLocks noGrp="1"/>
+          </p:cNvSpPr>
+          <p:nvPr>
+            <p:ph idx="1"/>
+          </p:nvPr>
+        </p:nvSpPr>
+        <p:spPr>
+          <a:xfrm>
+            <a:off x="838200" y="3048000"/>
+            <a:ext cx="4706923" cy="1244600"/>
+          </a:xfrm>
+        </p:spPr>
+        <p:txBody>
+          <a:bodyPr>
+            <a:noAutofit/>
+          </a:bodyPr>
+          <a:lstStyle/>
+          <a:p>
+            <a:pPr>
+              <a:buFont typeface="Calibri" panose="020F0502020204030204" pitchFamily="34" charset="0"/>
+              <a:buChar char="×"/>
+            </a:pPr>
+            <a:r>
+              <a:rPr lang="en-US" dirty="0">
+                <a:solidFill>
+                  <a:schemeClr val="bg1"/>
+                </a:solidFill>
+              </a:rPr>
+              <a:t>Going through each methods previously declared to add state specific logic</a:t>
+            </a:r>
+          </a:p>
+          <a:p>
+            <a:endParaRPr lang="en-US" dirty="0">
+              <a:solidFill>
+                <a:srgbClr val="E6E6E6"/>
+              </a:solidFill>
+            </a:endParaRPr>
+          </a:p>
+          <a:p>
+            <a:endParaRPr lang="en-US" dirty="0">
+              <a:solidFill>
+                <a:schemeClr val="bg1"/>
+              </a:solidFill>
+            </a:endParaRPr>
+          </a:p>
+        </p:txBody>
+      </p:sp>
     </p:spTree>
     <p:extLst>
       <p:ext uri="{BB962C8B-B14F-4D97-AF65-F5344CB8AC3E}">
@@ -7561,8 +7714,15 @@
           </a:bodyPr>
           <a:lstStyle/>
           <a:p>
-            <a:r>
-              <a:rPr lang="en-US">
+            <a:pPr>
+              <a:buClr>
+                <a:schemeClr val="bg1"/>
+              </a:buClr>
+              <a:buFont typeface="Calibri" panose="020F0502020204030204" pitchFamily="34" charset="0"/>
+              <a:buChar char="×"/>
+            </a:pPr>
+            <a:r>
+              <a:rPr lang="en-US" dirty="0">
                 <a:solidFill>
                   <a:schemeClr val="bg1"/>
                 </a:solidFill>
@@ -7571,8 +7731,15 @@
             </a:r>
           </a:p>
           <a:p>
-            <a:r>
-              <a:rPr lang="en-US">
+            <a:pPr>
+              <a:buClr>
+                <a:schemeClr val="bg1"/>
+              </a:buClr>
+              <a:buFont typeface="Calibri" panose="020F0502020204030204" pitchFamily="34" charset="0"/>
+              <a:buChar char="×"/>
+            </a:pPr>
+            <a:r>
+              <a:rPr lang="en-US" dirty="0">
                 <a:solidFill>
                   <a:schemeClr val="bg1"/>
                 </a:solidFill>
@@ -7581,8 +7748,15 @@
             </a:r>
           </a:p>
           <a:p>
-            <a:r>
-              <a:rPr lang="en-US">
+            <a:pPr>
+              <a:buClr>
+                <a:schemeClr val="bg1"/>
+              </a:buClr>
+              <a:buFont typeface="Calibri" panose="020F0502020204030204" pitchFamily="34" charset="0"/>
+              <a:buChar char="×"/>
+            </a:pPr>
+            <a:r>
+              <a:rPr lang="en-US" dirty="0">
                 <a:solidFill>
                   <a:schemeClr val="bg1"/>
                 </a:solidFill>
@@ -7591,14 +7765,14 @@
             </a:r>
           </a:p>
           <a:p>
-            <a:endParaRPr lang="en-US">
+            <a:endParaRPr lang="en-US" dirty="0">
               <a:solidFill>
                 <a:srgbClr val="E6E6E6"/>
               </a:solidFill>
             </a:endParaRPr>
           </a:p>
           <a:p>
-            <a:endParaRPr lang="en-US">
+            <a:endParaRPr lang="en-US" dirty="0">
               <a:solidFill>
                 <a:schemeClr val="bg1"/>
               </a:solidFill>
@@ -7832,7 +8006,7 @@
         <p:spPr>
           <a:xfrm>
             <a:off x="838200" y="1825625"/>
-            <a:ext cx="10515600" cy="4351439"/>
+            <a:ext cx="4961467" cy="4351439"/>
           </a:xfrm>
         </p:spPr>
         <p:txBody>
@@ -7923,8 +8097,8 @@
         </p:blipFill>
         <p:spPr>
           <a:xfrm>
-            <a:off x="6248986" y="1497914"/>
-            <a:ext cx="5943014" cy="5360086"/>
+            <a:off x="6096000" y="1524503"/>
+            <a:ext cx="5605066" cy="5055286"/>
           </a:xfrm>
           <a:prstGeom prst="rect">
             <a:avLst/>
